--- a/Presentation/PresentationEtudeDeCas.pptx
+++ b/Presentation/PresentationEtudeDeCas.pptx
@@ -5,13 +5,21 @@
     <p:sldMasterId id="2147483660" r:id="rId1"/>
   </p:sldMasterIdLst>
   <p:notesMasterIdLst>
-    <p:notesMasterId r:id="rId6"/>
+    <p:notesMasterId r:id="rId14"/>
   </p:notesMasterIdLst>
   <p:sldIdLst>
     <p:sldId id="256" r:id="rId2"/>
     <p:sldId id="257" r:id="rId3"/>
     <p:sldId id="260" r:id="rId4"/>
-    <p:sldId id="261" r:id="rId5"/>
+    <p:sldId id="262" r:id="rId5"/>
+    <p:sldId id="263" r:id="rId6"/>
+    <p:sldId id="269" r:id="rId7"/>
+    <p:sldId id="268" r:id="rId8"/>
+    <p:sldId id="261" r:id="rId9"/>
+    <p:sldId id="265" r:id="rId10"/>
+    <p:sldId id="267" r:id="rId11"/>
+    <p:sldId id="270" r:id="rId12"/>
+    <p:sldId id="271" r:id="rId13"/>
   </p:sldIdLst>
   <p:sldSz cx="12192000" cy="6858000"/>
   <p:notesSz cx="6858000" cy="9144000"/>
@@ -603,6 +611,222 @@
   <p:cSld>
     <p:spTree>
       <p:nvGrpSpPr>
+        <p:cNvPr id="1" name="">
+          <a:extLst>
+            <a:ext uri="{FF2B5EF4-FFF2-40B4-BE49-F238E27FC236}">
+              <a16:creationId xmlns:a16="http://schemas.microsoft.com/office/drawing/2014/main" id="{A88E42ED-2969-97E8-ECB5-A90AE7973E13}"/>
+            </a:ext>
+          </a:extLst>
+        </p:cNvPr>
+        <p:cNvGrpSpPr/>
+        <p:nvPr/>
+      </p:nvGrpSpPr>
+      <p:grpSpPr>
+        <a:xfrm>
+          <a:off x="0" y="0"/>
+          <a:ext cx="0" cy="0"/>
+          <a:chOff x="0" y="0"/>
+          <a:chExt cx="0" cy="0"/>
+        </a:xfrm>
+      </p:grpSpPr>
+      <p:sp>
+        <p:nvSpPr>
+          <p:cNvPr id="2" name="Slide Image Placeholder 1">
+            <a:extLst>
+              <a:ext uri="{FF2B5EF4-FFF2-40B4-BE49-F238E27FC236}">
+                <a16:creationId xmlns:a16="http://schemas.microsoft.com/office/drawing/2014/main" id="{23B9D9E5-F103-43A4-89E5-1C44AA5E12DD}"/>
+              </a:ext>
+            </a:extLst>
+          </p:cNvPr>
+          <p:cNvSpPr>
+            <a:spLocks noGrp="1" noRot="1" noChangeAspect="1"/>
+          </p:cNvSpPr>
+          <p:nvPr>
+            <p:ph type="sldImg"/>
+          </p:nvPr>
+        </p:nvSpPr>
+        <p:spPr/>
+      </p:sp>
+      <p:sp>
+        <p:nvSpPr>
+          <p:cNvPr id="3" name="Notes Placeholder 2">
+            <a:extLst>
+              <a:ext uri="{FF2B5EF4-FFF2-40B4-BE49-F238E27FC236}">
+                <a16:creationId xmlns:a16="http://schemas.microsoft.com/office/drawing/2014/main" id="{1469F3C0-19AC-75CE-5347-2D42F469AEBC}"/>
+              </a:ext>
+            </a:extLst>
+          </p:cNvPr>
+          <p:cNvSpPr>
+            <a:spLocks noGrp="1"/>
+          </p:cNvSpPr>
+          <p:nvPr>
+            <p:ph type="body" idx="1"/>
+          </p:nvPr>
+        </p:nvSpPr>
+        <p:spPr/>
+        <p:txBody>
+          <a:bodyPr/>
+          <a:lstStyle/>
+          <a:p>
+            <a:endParaRPr lang="en-US" dirty="0"/>
+          </a:p>
+        </p:txBody>
+      </p:sp>
+      <p:sp>
+        <p:nvSpPr>
+          <p:cNvPr id="4" name="Slide Number Placeholder 3">
+            <a:extLst>
+              <a:ext uri="{FF2B5EF4-FFF2-40B4-BE49-F238E27FC236}">
+                <a16:creationId xmlns:a16="http://schemas.microsoft.com/office/drawing/2014/main" id="{6C6E57DB-C233-1B49-7666-9C33A08DF7BF}"/>
+              </a:ext>
+            </a:extLst>
+          </p:cNvPr>
+          <p:cNvSpPr>
+            <a:spLocks noGrp="1"/>
+          </p:cNvSpPr>
+          <p:nvPr>
+            <p:ph type="sldNum" sz="quarter" idx="5"/>
+          </p:nvPr>
+        </p:nvSpPr>
+        <p:spPr/>
+        <p:txBody>
+          <a:bodyPr/>
+          <a:lstStyle/>
+          <a:p>
+            <a:fld id="{3EECD54E-2694-C142-858C-63281E07FA1E}" type="slidenum">
+              <a:rPr lang="en-US" smtClean="0"/>
+              <a:t>3</a:t>
+            </a:fld>
+            <a:endParaRPr lang="en-US"/>
+          </a:p>
+        </p:txBody>
+      </p:sp>
+    </p:spTree>
+    <p:extLst>
+      <p:ext uri="{BB962C8B-B14F-4D97-AF65-F5344CB8AC3E}">
+        <p14:creationId xmlns:p14="http://schemas.microsoft.com/office/powerpoint/2010/main" val="3703684338"/>
+      </p:ext>
+    </p:extLst>
+  </p:cSld>
+  <p:clrMapOvr>
+    <a:masterClrMapping/>
+  </p:clrMapOvr>
+</p:notes>
+</file>
+
+<file path=ppt/notesSlides/notesSlide3.xml><?xml version="1.0" encoding="utf-8"?>
+<p:notes xmlns:a="http://schemas.openxmlformats.org/drawingml/2006/main" xmlns:r="http://schemas.openxmlformats.org/officeDocument/2006/relationships" xmlns:p="http://schemas.openxmlformats.org/presentationml/2006/main">
+  <p:cSld>
+    <p:spTree>
+      <p:nvGrpSpPr>
+        <p:cNvPr id="1" name="">
+          <a:extLst>
+            <a:ext uri="{FF2B5EF4-FFF2-40B4-BE49-F238E27FC236}">
+              <a16:creationId xmlns:a16="http://schemas.microsoft.com/office/drawing/2014/main" id="{86C5642A-BB8C-6DD4-8913-D4F5ADB42415}"/>
+            </a:ext>
+          </a:extLst>
+        </p:cNvPr>
+        <p:cNvGrpSpPr/>
+        <p:nvPr/>
+      </p:nvGrpSpPr>
+      <p:grpSpPr>
+        <a:xfrm>
+          <a:off x="0" y="0"/>
+          <a:ext cx="0" cy="0"/>
+          <a:chOff x="0" y="0"/>
+          <a:chExt cx="0" cy="0"/>
+        </a:xfrm>
+      </p:grpSpPr>
+      <p:sp>
+        <p:nvSpPr>
+          <p:cNvPr id="2" name="Slide Image Placeholder 1">
+            <a:extLst>
+              <a:ext uri="{FF2B5EF4-FFF2-40B4-BE49-F238E27FC236}">
+                <a16:creationId xmlns:a16="http://schemas.microsoft.com/office/drawing/2014/main" id="{97932169-DC5E-5BA4-81A8-8569669055B6}"/>
+              </a:ext>
+            </a:extLst>
+          </p:cNvPr>
+          <p:cNvSpPr>
+            <a:spLocks noGrp="1" noRot="1" noChangeAspect="1"/>
+          </p:cNvSpPr>
+          <p:nvPr>
+            <p:ph type="sldImg"/>
+          </p:nvPr>
+        </p:nvSpPr>
+        <p:spPr/>
+      </p:sp>
+      <p:sp>
+        <p:nvSpPr>
+          <p:cNvPr id="3" name="Notes Placeholder 2">
+            <a:extLst>
+              <a:ext uri="{FF2B5EF4-FFF2-40B4-BE49-F238E27FC236}">
+                <a16:creationId xmlns:a16="http://schemas.microsoft.com/office/drawing/2014/main" id="{9893D24C-CD3A-99D9-0191-95EF74FED8AC}"/>
+              </a:ext>
+            </a:extLst>
+          </p:cNvPr>
+          <p:cNvSpPr>
+            <a:spLocks noGrp="1"/>
+          </p:cNvSpPr>
+          <p:nvPr>
+            <p:ph type="body" idx="1"/>
+          </p:nvPr>
+        </p:nvSpPr>
+        <p:spPr/>
+        <p:txBody>
+          <a:bodyPr/>
+          <a:lstStyle/>
+          <a:p>
+            <a:endParaRPr lang="en-US" dirty="0"/>
+          </a:p>
+        </p:txBody>
+      </p:sp>
+      <p:sp>
+        <p:nvSpPr>
+          <p:cNvPr id="4" name="Slide Number Placeholder 3">
+            <a:extLst>
+              <a:ext uri="{FF2B5EF4-FFF2-40B4-BE49-F238E27FC236}">
+                <a16:creationId xmlns:a16="http://schemas.microsoft.com/office/drawing/2014/main" id="{D8EC583A-5260-A3D5-DF59-2CBC8CE0F9B8}"/>
+              </a:ext>
+            </a:extLst>
+          </p:cNvPr>
+          <p:cNvSpPr>
+            <a:spLocks noGrp="1"/>
+          </p:cNvSpPr>
+          <p:nvPr>
+            <p:ph type="sldNum" sz="quarter" idx="5"/>
+          </p:nvPr>
+        </p:nvSpPr>
+        <p:spPr/>
+        <p:txBody>
+          <a:bodyPr/>
+          <a:lstStyle/>
+          <a:p>
+            <a:fld id="{3EECD54E-2694-C142-858C-63281E07FA1E}" type="slidenum">
+              <a:rPr lang="en-US" smtClean="0"/>
+              <a:t>4</a:t>
+            </a:fld>
+            <a:endParaRPr lang="en-US"/>
+          </a:p>
+        </p:txBody>
+      </p:sp>
+    </p:spTree>
+    <p:extLst>
+      <p:ext uri="{BB962C8B-B14F-4D97-AF65-F5344CB8AC3E}">
+        <p14:creationId xmlns:p14="http://schemas.microsoft.com/office/powerpoint/2010/main" val="681575400"/>
+      </p:ext>
+    </p:extLst>
+  </p:cSld>
+  <p:clrMapOvr>
+    <a:masterClrMapping/>
+  </p:clrMapOvr>
+</p:notes>
+</file>
+
+<file path=ppt/notesSlides/notesSlide4.xml><?xml version="1.0" encoding="utf-8"?>
+<p:notes xmlns:a="http://schemas.openxmlformats.org/drawingml/2006/main" xmlns:r="http://schemas.openxmlformats.org/officeDocument/2006/relationships" xmlns:p="http://schemas.openxmlformats.org/presentationml/2006/main">
+  <p:cSld>
+    <p:spTree>
+      <p:nvGrpSpPr>
         <p:cNvPr id="1" name=""/>
         <p:cNvGrpSpPr/>
         <p:nvPr/>
@@ -663,7 +887,7 @@
           <a:p>
             <a:fld id="{3EECD54E-2694-C142-858C-63281E07FA1E}" type="slidenum">
               <a:rPr lang="en-US" smtClean="0"/>
-              <a:t>3</a:t>
+              <a:t>7</a:t>
             </a:fld>
             <a:endParaRPr lang="en-US"/>
           </a:p>
@@ -3995,7 +4219,7 @@
 </p:sld>
 </file>
 
-<file path=ppt/slides/slide2.xml><?xml version="1.0" encoding="utf-8"?>
+<file path=ppt/slides/slide10.xml><?xml version="1.0" encoding="utf-8"?>
 <p:sld xmlns:a="http://schemas.openxmlformats.org/drawingml/2006/main" xmlns:r="http://schemas.openxmlformats.org/officeDocument/2006/relationships" xmlns:p="http://schemas.openxmlformats.org/presentationml/2006/main">
   <p:cSld>
     <p:spTree>
@@ -4017,6 +4241,499 @@
           <p:cNvPr id="2" name="Title 1">
             <a:extLst>
               <a:ext uri="{FF2B5EF4-FFF2-40B4-BE49-F238E27FC236}">
+                <a16:creationId xmlns:a16="http://schemas.microsoft.com/office/drawing/2014/main" id="{E4830E99-CF4B-3CCD-048E-9FDB07E25861}"/>
+              </a:ext>
+            </a:extLst>
+          </p:cNvPr>
+          <p:cNvSpPr>
+            <a:spLocks noGrp="1"/>
+          </p:cNvSpPr>
+          <p:nvPr>
+            <p:ph type="title"/>
+          </p:nvPr>
+        </p:nvSpPr>
+        <p:spPr/>
+        <p:txBody>
+          <a:bodyPr/>
+          <a:lstStyle/>
+          <a:p>
+            <a:r>
+              <a:rPr lang="en-US" dirty="0" err="1"/>
+              <a:t>Complexité</a:t>
+            </a:r>
+            <a:r>
+              <a:rPr lang="en-US" dirty="0"/>
+              <a:t> </a:t>
+            </a:r>
+            <a:r>
+              <a:rPr lang="en-US" dirty="0" err="1"/>
+              <a:t>cyclomatique</a:t>
+            </a:r>
+            <a:endParaRPr lang="en-US" dirty="0"/>
+          </a:p>
+        </p:txBody>
+      </p:sp>
+      <p:pic>
+        <p:nvPicPr>
+          <p:cNvPr id="5" name="Content Placeholder 4">
+            <a:extLst>
+              <a:ext uri="{FF2B5EF4-FFF2-40B4-BE49-F238E27FC236}">
+                <a16:creationId xmlns:a16="http://schemas.microsoft.com/office/drawing/2014/main" id="{37B36203-86B9-7686-8424-0861BC9B7D51}"/>
+              </a:ext>
+            </a:extLst>
+          </p:cNvPr>
+          <p:cNvPicPr>
+            <a:picLocks noGrp="1" noChangeAspect="1"/>
+          </p:cNvPicPr>
+          <p:nvPr>
+            <p:ph idx="1"/>
+          </p:nvPr>
+        </p:nvPicPr>
+        <p:blipFill>
+          <a:blip r:embed="rId2"/>
+          <a:stretch>
+            <a:fillRect/>
+          </a:stretch>
+        </p:blipFill>
+        <p:spPr>
+          <a:xfrm>
+            <a:off x="2046079" y="2697480"/>
+            <a:ext cx="8099842" cy="2596896"/>
+          </a:xfrm>
+          <a:prstGeom prst="rect">
+            <a:avLst/>
+          </a:prstGeom>
+        </p:spPr>
+      </p:pic>
+      <p:sp>
+        <p:nvSpPr>
+          <p:cNvPr id="4" name="Slide Number Placeholder 3">
+            <a:extLst>
+              <a:ext uri="{FF2B5EF4-FFF2-40B4-BE49-F238E27FC236}">
+                <a16:creationId xmlns:a16="http://schemas.microsoft.com/office/drawing/2014/main" id="{D6D82B44-F1C0-FE72-FAEE-C4413AF6E64F}"/>
+              </a:ext>
+            </a:extLst>
+          </p:cNvPr>
+          <p:cNvSpPr>
+            <a:spLocks noGrp="1"/>
+          </p:cNvSpPr>
+          <p:nvPr>
+            <p:ph type="sldNum" sz="quarter" idx="12"/>
+          </p:nvPr>
+        </p:nvSpPr>
+        <p:spPr/>
+        <p:txBody>
+          <a:bodyPr/>
+          <a:lstStyle/>
+          <a:p>
+            <a:fld id="{66541124-6A23-4844-B9EA-7566DC06A6D2}" type="slidenum">
+              <a:rPr lang="en-US" smtClean="0"/>
+              <a:t>9</a:t>
+            </a:fld>
+            <a:endParaRPr lang="en-US"/>
+          </a:p>
+        </p:txBody>
+      </p:sp>
+    </p:spTree>
+    <p:extLst>
+      <p:ext uri="{BB962C8B-B14F-4D97-AF65-F5344CB8AC3E}">
+        <p14:creationId xmlns:p14="http://schemas.microsoft.com/office/powerpoint/2010/main" val="3773679968"/>
+      </p:ext>
+    </p:extLst>
+  </p:cSld>
+  <p:clrMapOvr>
+    <a:masterClrMapping/>
+  </p:clrMapOvr>
+</p:sld>
+</file>
+
+<file path=ppt/slides/slide11.xml><?xml version="1.0" encoding="utf-8"?>
+<p:sld xmlns:a="http://schemas.openxmlformats.org/drawingml/2006/main" xmlns:r="http://schemas.openxmlformats.org/officeDocument/2006/relationships" xmlns:p="http://schemas.openxmlformats.org/presentationml/2006/main">
+  <p:cSld>
+    <p:spTree>
+      <p:nvGrpSpPr>
+        <p:cNvPr id="1" name=""/>
+        <p:cNvGrpSpPr/>
+        <p:nvPr/>
+      </p:nvGrpSpPr>
+      <p:grpSpPr>
+        <a:xfrm>
+          <a:off x="0" y="0"/>
+          <a:ext cx="0" cy="0"/>
+          <a:chOff x="0" y="0"/>
+          <a:chExt cx="0" cy="0"/>
+        </a:xfrm>
+      </p:grpSpPr>
+      <p:sp>
+        <p:nvSpPr>
+          <p:cNvPr id="2" name="Title 1">
+            <a:extLst>
+              <a:ext uri="{FF2B5EF4-FFF2-40B4-BE49-F238E27FC236}">
+                <a16:creationId xmlns:a16="http://schemas.microsoft.com/office/drawing/2014/main" id="{B5F2F7DD-B4BE-5610-BEE8-D7F821B9EFFD}"/>
+              </a:ext>
+            </a:extLst>
+          </p:cNvPr>
+          <p:cNvSpPr>
+            <a:spLocks noGrp="1"/>
+          </p:cNvSpPr>
+          <p:nvPr>
+            <p:ph type="title"/>
+          </p:nvPr>
+        </p:nvSpPr>
+        <p:spPr/>
+        <p:txBody>
+          <a:bodyPr/>
+          <a:lstStyle/>
+          <a:p>
+            <a:r>
+              <a:rPr lang="en-US" dirty="0" err="1"/>
+              <a:t>Recommandations</a:t>
+            </a:r>
+            <a:endParaRPr lang="en-US" dirty="0"/>
+          </a:p>
+        </p:txBody>
+      </p:sp>
+      <p:sp>
+        <p:nvSpPr>
+          <p:cNvPr id="3" name="Content Placeholder 2">
+            <a:extLst>
+              <a:ext uri="{FF2B5EF4-FFF2-40B4-BE49-F238E27FC236}">
+                <a16:creationId xmlns:a16="http://schemas.microsoft.com/office/drawing/2014/main" id="{2F1D5BC3-32EB-3353-D3E7-E76E658D3D2B}"/>
+              </a:ext>
+            </a:extLst>
+          </p:cNvPr>
+          <p:cNvSpPr>
+            <a:spLocks noGrp="1"/>
+          </p:cNvSpPr>
+          <p:nvPr>
+            <p:ph idx="1"/>
+          </p:nvPr>
+        </p:nvSpPr>
+        <p:spPr>
+          <a:xfrm>
+            <a:off x="3133721" y="2398089"/>
+            <a:ext cx="3122099" cy="369332"/>
+          </a:xfrm>
+        </p:spPr>
+        <p:txBody>
+          <a:bodyPr/>
+          <a:lstStyle/>
+          <a:p>
+            <a:r>
+              <a:rPr lang="en-US" dirty="0" err="1"/>
+              <a:t>Implémentation</a:t>
+            </a:r>
+            <a:r>
+              <a:rPr lang="en-US" dirty="0"/>
+              <a:t> d’un proxy </a:t>
+            </a:r>
+          </a:p>
+        </p:txBody>
+      </p:sp>
+      <p:sp>
+        <p:nvSpPr>
+          <p:cNvPr id="4" name="Slide Number Placeholder 3">
+            <a:extLst>
+              <a:ext uri="{FF2B5EF4-FFF2-40B4-BE49-F238E27FC236}">
+                <a16:creationId xmlns:a16="http://schemas.microsoft.com/office/drawing/2014/main" id="{655A7A8E-11AB-A326-758A-2E40573F54B5}"/>
+              </a:ext>
+            </a:extLst>
+          </p:cNvPr>
+          <p:cNvSpPr>
+            <a:spLocks noGrp="1"/>
+          </p:cNvSpPr>
+          <p:nvPr>
+            <p:ph type="sldNum" sz="quarter" idx="12"/>
+          </p:nvPr>
+        </p:nvSpPr>
+        <p:spPr/>
+        <p:txBody>
+          <a:bodyPr/>
+          <a:lstStyle/>
+          <a:p>
+            <a:fld id="{66541124-6A23-4844-B9EA-7566DC06A6D2}" type="slidenum">
+              <a:rPr lang="en-US" smtClean="0"/>
+              <a:t>10</a:t>
+            </a:fld>
+            <a:endParaRPr lang="en-US"/>
+          </a:p>
+        </p:txBody>
+      </p:sp>
+      <p:pic>
+        <p:nvPicPr>
+          <p:cNvPr id="6" name="Picture 5">
+            <a:extLst>
+              <a:ext uri="{FF2B5EF4-FFF2-40B4-BE49-F238E27FC236}">
+                <a16:creationId xmlns:a16="http://schemas.microsoft.com/office/drawing/2014/main" id="{EB8FF2AC-B9AD-DCB8-A141-27321A42662B}"/>
+              </a:ext>
+            </a:extLst>
+          </p:cNvPr>
+          <p:cNvPicPr>
+            <a:picLocks noChangeAspect="1"/>
+          </p:cNvPicPr>
+          <p:nvPr/>
+        </p:nvPicPr>
+        <p:blipFill>
+          <a:blip r:embed="rId2"/>
+          <a:stretch>
+            <a:fillRect/>
+          </a:stretch>
+        </p:blipFill>
+        <p:spPr>
+          <a:xfrm>
+            <a:off x="3119628" y="2988776"/>
+            <a:ext cx="5952744" cy="3217699"/>
+          </a:xfrm>
+          <a:prstGeom prst="rect">
+            <a:avLst/>
+          </a:prstGeom>
+        </p:spPr>
+      </p:pic>
+      <p:cxnSp>
+        <p:nvCxnSpPr>
+          <p:cNvPr id="8" name="Straight Connector 7">
+            <a:extLst>
+              <a:ext uri="{FF2B5EF4-FFF2-40B4-BE49-F238E27FC236}">
+                <a16:creationId xmlns:a16="http://schemas.microsoft.com/office/drawing/2014/main" id="{2D5298AF-9F55-493C-80DD-DE1BE494AAF9}"/>
+              </a:ext>
+            </a:extLst>
+          </p:cNvPr>
+          <p:cNvCxnSpPr/>
+          <p:nvPr/>
+        </p:nvCxnSpPr>
+        <p:spPr>
+          <a:xfrm flipV="1">
+            <a:off x="5814874" y="3429000"/>
+            <a:ext cx="0" cy="2448017"/>
+          </a:xfrm>
+          <a:prstGeom prst="line">
+            <a:avLst/>
+          </a:prstGeom>
+          <a:ln>
+            <a:solidFill>
+              <a:srgbClr val="FF0000"/>
+            </a:solidFill>
+          </a:ln>
+        </p:spPr>
+        <p:style>
+          <a:lnRef idx="1">
+            <a:schemeClr val="accent1"/>
+          </a:lnRef>
+          <a:fillRef idx="0">
+            <a:schemeClr val="accent1"/>
+          </a:fillRef>
+          <a:effectRef idx="0">
+            <a:schemeClr val="accent1"/>
+          </a:effectRef>
+          <a:fontRef idx="minor">
+            <a:schemeClr val="tx1"/>
+          </a:fontRef>
+        </p:style>
+      </p:cxnSp>
+    </p:spTree>
+    <p:extLst>
+      <p:ext uri="{BB962C8B-B14F-4D97-AF65-F5344CB8AC3E}">
+        <p14:creationId xmlns:p14="http://schemas.microsoft.com/office/powerpoint/2010/main" val="663242830"/>
+      </p:ext>
+    </p:extLst>
+  </p:cSld>
+  <p:clrMapOvr>
+    <a:masterClrMapping/>
+  </p:clrMapOvr>
+</p:sld>
+</file>
+
+<file path=ppt/slides/slide12.xml><?xml version="1.0" encoding="utf-8"?>
+<p:sld xmlns:a="http://schemas.openxmlformats.org/drawingml/2006/main" xmlns:r="http://schemas.openxmlformats.org/officeDocument/2006/relationships" xmlns:p="http://schemas.openxmlformats.org/presentationml/2006/main">
+  <p:cSld>
+    <p:spTree>
+      <p:nvGrpSpPr>
+        <p:cNvPr id="1" name="">
+          <a:extLst>
+            <a:ext uri="{FF2B5EF4-FFF2-40B4-BE49-F238E27FC236}">
+              <a16:creationId xmlns:a16="http://schemas.microsoft.com/office/drawing/2014/main" id="{1FF8D887-C3BD-D5B1-15A6-DBA7AECFFA77}"/>
+            </a:ext>
+          </a:extLst>
+        </p:cNvPr>
+        <p:cNvGrpSpPr/>
+        <p:nvPr/>
+      </p:nvGrpSpPr>
+      <p:grpSpPr>
+        <a:xfrm>
+          <a:off x="0" y="0"/>
+          <a:ext cx="0" cy="0"/>
+          <a:chOff x="0" y="0"/>
+          <a:chExt cx="0" cy="0"/>
+        </a:xfrm>
+      </p:grpSpPr>
+      <p:sp>
+        <p:nvSpPr>
+          <p:cNvPr id="2" name="Title 1">
+            <a:extLst>
+              <a:ext uri="{FF2B5EF4-FFF2-40B4-BE49-F238E27FC236}">
+                <a16:creationId xmlns:a16="http://schemas.microsoft.com/office/drawing/2014/main" id="{E4E3C207-A06B-1A5C-DDFB-845B259EE038}"/>
+              </a:ext>
+            </a:extLst>
+          </p:cNvPr>
+          <p:cNvSpPr>
+            <a:spLocks noGrp="1"/>
+          </p:cNvSpPr>
+          <p:nvPr>
+            <p:ph type="title"/>
+          </p:nvPr>
+        </p:nvSpPr>
+        <p:spPr>
+          <a:xfrm>
+            <a:off x="2231136" y="2834640"/>
+            <a:ext cx="7729728" cy="1188720"/>
+          </a:xfrm>
+        </p:spPr>
+        <p:txBody>
+          <a:bodyPr/>
+          <a:lstStyle/>
+          <a:p>
+            <a:r>
+              <a:rPr lang="en-US" dirty="0"/>
+              <a:t>conclusion</a:t>
+            </a:r>
+          </a:p>
+        </p:txBody>
+      </p:sp>
+      <p:sp>
+        <p:nvSpPr>
+          <p:cNvPr id="4" name="Slide Number Placeholder 3">
+            <a:extLst>
+              <a:ext uri="{FF2B5EF4-FFF2-40B4-BE49-F238E27FC236}">
+                <a16:creationId xmlns:a16="http://schemas.microsoft.com/office/drawing/2014/main" id="{254CBBAD-5755-0E07-A1EE-372C36DF4C87}"/>
+              </a:ext>
+            </a:extLst>
+          </p:cNvPr>
+          <p:cNvSpPr>
+            <a:spLocks noGrp="1"/>
+          </p:cNvSpPr>
+          <p:nvPr>
+            <p:ph type="sldNum" sz="quarter" idx="12"/>
+          </p:nvPr>
+        </p:nvSpPr>
+        <p:spPr/>
+        <p:txBody>
+          <a:bodyPr/>
+          <a:lstStyle/>
+          <a:p>
+            <a:fld id="{66541124-6A23-4844-B9EA-7566DC06A6D2}" type="slidenum">
+              <a:rPr lang="en-US" smtClean="0"/>
+              <a:t>11</a:t>
+            </a:fld>
+            <a:endParaRPr lang="en-US"/>
+          </a:p>
+        </p:txBody>
+      </p:sp>
+    </p:spTree>
+    <p:extLst>
+      <p:ext uri="{BB962C8B-B14F-4D97-AF65-F5344CB8AC3E}">
+        <p14:creationId xmlns:p14="http://schemas.microsoft.com/office/powerpoint/2010/main" val="1907095931"/>
+      </p:ext>
+    </p:extLst>
+  </p:cSld>
+  <p:clrMapOvr>
+    <a:masterClrMapping/>
+  </p:clrMapOvr>
+</p:sld>
+</file>
+
+<file path=ppt/slides/slide2.xml><?xml version="1.0" encoding="utf-8"?>
+<p:sld xmlns:a="http://schemas.openxmlformats.org/drawingml/2006/main" xmlns:r="http://schemas.openxmlformats.org/officeDocument/2006/relationships" xmlns:p="http://schemas.openxmlformats.org/presentationml/2006/main">
+  <p:cSld>
+    <p:bg>
+      <p:bgPr>
+        <a:solidFill>
+          <a:schemeClr val="accent2"/>
+        </a:solidFill>
+        <a:effectLst/>
+      </p:bgPr>
+    </p:bg>
+    <p:spTree>
+      <p:nvGrpSpPr>
+        <p:cNvPr id="1" name=""/>
+        <p:cNvGrpSpPr/>
+        <p:nvPr/>
+      </p:nvGrpSpPr>
+      <p:grpSpPr>
+        <a:xfrm>
+          <a:off x="0" y="0"/>
+          <a:ext cx="0" cy="0"/>
+          <a:chOff x="0" y="0"/>
+          <a:chExt cx="0" cy="0"/>
+        </a:xfrm>
+      </p:grpSpPr>
+      <p:sp>
+        <p:nvSpPr>
+          <p:cNvPr id="2055" name="Rectangle 2054">
+            <a:extLst>
+              <a:ext uri="{FF2B5EF4-FFF2-40B4-BE49-F238E27FC236}">
+                <a16:creationId xmlns:a16="http://schemas.microsoft.com/office/drawing/2014/main" id="{E9F26AF7-9AC1-49A4-8F89-2C63E1C0A0BB}"/>
+              </a:ext>
+              <a:ext uri="{C183D7F6-B498-43B3-948B-1728B52AA6E4}">
+                <adec:decorative xmlns:adec="http://schemas.microsoft.com/office/drawing/2017/decorative" val="1"/>
+              </a:ext>
+            </a:extLst>
+          </p:cNvPr>
+          <p:cNvSpPr>
+            <a:spLocks noGrp="1" noRot="1" noChangeAspect="1" noMove="1" noResize="1" noEditPoints="1" noAdjustHandles="1" noChangeArrowheads="1" noChangeShapeType="1" noTextEdit="1"/>
+          </p:cNvSpPr>
+          <p:nvPr>
+            <p:extLst>
+              <p:ext uri="{386F3935-93C4-4BCD-93E2-E3B085C9AB24}">
+                <p16:designElem xmlns:p16="http://schemas.microsoft.com/office/powerpoint/2015/main" val="1"/>
+              </p:ext>
+            </p:extLst>
+          </p:nvPr>
+        </p:nvSpPr>
+        <p:spPr>
+          <a:xfrm>
+            <a:off x="0" y="-2"/>
+            <a:ext cx="12192000" cy="4918511"/>
+          </a:xfrm>
+          <a:prstGeom prst="rect">
+            <a:avLst/>
+          </a:prstGeom>
+          <a:solidFill>
+            <a:srgbClr val="FFFFFF"/>
+          </a:solidFill>
+          <a:ln>
+            <a:noFill/>
+          </a:ln>
+        </p:spPr>
+        <p:style>
+          <a:lnRef idx="2">
+            <a:schemeClr val="accent1">
+              <a:shade val="50000"/>
+            </a:schemeClr>
+          </a:lnRef>
+          <a:fillRef idx="1">
+            <a:schemeClr val="accent1"/>
+          </a:fillRef>
+          <a:effectRef idx="0">
+            <a:schemeClr val="accent1"/>
+          </a:effectRef>
+          <a:fontRef idx="minor">
+            <a:schemeClr val="lt1"/>
+          </a:fontRef>
+        </p:style>
+        <p:txBody>
+          <a:bodyPr rtlCol="0" anchor="ctr"/>
+          <a:lstStyle/>
+          <a:p>
+            <a:pPr algn="ctr"/>
+            <a:endParaRPr lang="en-US"/>
+          </a:p>
+        </p:txBody>
+      </p:sp>
+      <p:sp>
+        <p:nvSpPr>
+          <p:cNvPr id="2" name="Title 1">
+            <a:extLst>
+              <a:ext uri="{FF2B5EF4-FFF2-40B4-BE49-F238E27FC236}">
                 <a16:creationId xmlns:a16="http://schemas.microsoft.com/office/drawing/2014/main" id="{B1FEB868-27EA-9BAB-BEFF-C56390452949}"/>
               </a:ext>
             </a:extLst>
@@ -4028,53 +4745,22 @@
             <p:ph type="title"/>
           </p:nvPr>
         </p:nvSpPr>
-        <p:spPr/>
-        <p:txBody>
-          <a:bodyPr/>
-          <a:lstStyle/>
-          <a:p>
-            <a:r>
-              <a:rPr lang="en-US" dirty="0" err="1"/>
-              <a:t>Contexte</a:t>
-            </a:r>
-            <a:r>
-              <a:rPr lang="en-US" dirty="0"/>
-              <a:t> du </a:t>
-            </a:r>
-            <a:r>
-              <a:rPr lang="en-US" dirty="0" err="1"/>
-              <a:t>projet</a:t>
-            </a:r>
-            <a:endParaRPr lang="en-US" dirty="0"/>
-          </a:p>
-        </p:txBody>
-      </p:sp>
-      <p:sp>
-        <p:nvSpPr>
-          <p:cNvPr id="4" name="Slide Number Placeholder 3">
-            <a:extLst>
-              <a:ext uri="{FF2B5EF4-FFF2-40B4-BE49-F238E27FC236}">
-                <a16:creationId xmlns:a16="http://schemas.microsoft.com/office/drawing/2014/main" id="{287BAEB1-A45E-DBF6-58D8-5E74AACC0FAC}"/>
-              </a:ext>
-            </a:extLst>
-          </p:cNvPr>
-          <p:cNvSpPr>
-            <a:spLocks noGrp="1"/>
-          </p:cNvSpPr>
-          <p:nvPr>
-            <p:ph type="sldNum" sz="quarter" idx="12"/>
-          </p:nvPr>
-        </p:nvSpPr>
-        <p:spPr/>
-        <p:txBody>
-          <a:bodyPr/>
-          <a:lstStyle/>
-          <a:p>
-            <a:fld id="{66541124-6A23-4844-B9EA-7566DC06A6D2}" type="slidenum">
-              <a:rPr lang="en-US" smtClean="0"/>
-              <a:t>1</a:t>
-            </a:fld>
-            <a:endParaRPr lang="en-US"/>
+        <p:spPr>
+          <a:xfrm>
+            <a:off x="1600200" y="4269282"/>
+            <a:ext cx="8991600" cy="1264762"/>
+          </a:xfrm>
+        </p:spPr>
+        <p:txBody>
+          <a:bodyPr vert="horz" lIns="274320" tIns="182880" rIns="274320" bIns="182880" rtlCol="0" anchor="ctr" anchorCtr="1">
+            <a:normAutofit/>
+          </a:bodyPr>
+          <a:lstStyle/>
+          <a:p>
+            <a:r>
+              <a:rPr lang="en-US" sz="3200"/>
+              <a:t>Contexte du projet</a:t>
+            </a:r>
           </a:p>
         </p:txBody>
       </p:sp>
@@ -4100,15 +4786,14 @@
               </a:ext>
             </a:extLst>
           </a:blip>
-          <a:srcRect/>
           <a:stretch>
             <a:fillRect/>
           </a:stretch>
         </p:blipFill>
         <p:spPr bwMode="auto">
           <a:xfrm>
-            <a:off x="5319179" y="3429002"/>
-            <a:ext cx="1553642" cy="1553642"/>
+            <a:off x="2844985" y="889611"/>
+            <a:ext cx="2685694" cy="2685694"/>
           </a:xfrm>
           <a:prstGeom prst="rect">
             <a:avLst/>
@@ -4127,10 +4812,10 @@
       </p:pic>
       <p:pic>
         <p:nvPicPr>
-          <p:cNvPr id="2052" name="Picture 4" descr="👤 Bust In Silhouette Emoji: Meaning &amp; Usage">
+          <p:cNvPr id="1026" name="Picture 2" descr="🧑‍🎓 Student Emoji: Meaning &amp; Usage">
             <a:extLst>
               <a:ext uri="{FF2B5EF4-FFF2-40B4-BE49-F238E27FC236}">
-                <a16:creationId xmlns:a16="http://schemas.microsoft.com/office/drawing/2014/main" id="{42E56D03-11B0-1A43-7A84-9687F7BF93E7}"/>
+                <a16:creationId xmlns:a16="http://schemas.microsoft.com/office/drawing/2014/main" id="{B2E8E6B9-5E0D-4CF4-CE08-0ABF48B7FD5E}"/>
               </a:ext>
             </a:extLst>
           </p:cNvPr>
@@ -4147,15 +4832,14 @@
               </a:ext>
             </a:extLst>
           </a:blip>
-          <a:srcRect/>
           <a:stretch>
             <a:fillRect/>
           </a:stretch>
         </p:blipFill>
         <p:spPr bwMode="auto">
           <a:xfrm>
-            <a:off x="2231136" y="3429000"/>
-            <a:ext cx="1553643" cy="1553643"/>
+            <a:off x="6338316" y="587858"/>
+            <a:ext cx="3301307" cy="3301307"/>
           </a:xfrm>
           <a:prstGeom prst="rect">
             <a:avLst/>
@@ -4172,53 +4856,72 @@
           </a:extLst>
         </p:spPr>
       </p:pic>
-      <p:pic>
-        <p:nvPicPr>
-          <p:cNvPr id="2054" name="Picture 6" descr="Wallet Icon PNG &amp; SVG Design For T-Shirts">
+      <p:sp>
+        <p:nvSpPr>
+          <p:cNvPr id="4" name="Slide Number Placeholder 3">
             <a:extLst>
               <a:ext uri="{FF2B5EF4-FFF2-40B4-BE49-F238E27FC236}">
-                <a16:creationId xmlns:a16="http://schemas.microsoft.com/office/drawing/2014/main" id="{A5CA21DC-33F8-2694-794F-468A7391E151}"/>
+                <a16:creationId xmlns:a16="http://schemas.microsoft.com/office/drawing/2014/main" id="{287BAEB1-A45E-DBF6-58D8-5E74AACC0FAC}"/>
               </a:ext>
             </a:extLst>
           </p:cNvPr>
-          <p:cNvPicPr>
-            <a:picLocks noChangeAspect="1" noChangeArrowheads="1"/>
-          </p:cNvPicPr>
-          <p:nvPr/>
-        </p:nvPicPr>
-        <p:blipFill>
-          <a:blip r:embed="rId5">
-            <a:extLst>
-              <a:ext uri="{28A0092B-C50C-407E-A947-70E740481C1C}">
-                <a14:useLocalDpi xmlns:a14="http://schemas.microsoft.com/office/drawing/2010/main" val="0"/>
-              </a:ext>
-            </a:extLst>
-          </a:blip>
-          <a:srcRect/>
-          <a:stretch>
-            <a:fillRect/>
-          </a:stretch>
-        </p:blipFill>
-        <p:spPr bwMode="auto">
+          <p:cNvSpPr>
+            <a:spLocks noGrp="1"/>
+          </p:cNvSpPr>
+          <p:nvPr>
+            <p:ph type="sldNum" sz="quarter" idx="12"/>
+          </p:nvPr>
+        </p:nvSpPr>
+        <p:spPr>
           <a:xfrm>
-            <a:off x="8407222" y="3429001"/>
-            <a:ext cx="1553642" cy="1553642"/>
+            <a:off x="10758922" y="6217920"/>
+            <a:ext cx="365760" cy="365760"/>
           </a:xfrm>
-          <a:prstGeom prst="rect">
-            <a:avLst/>
-          </a:prstGeom>
-          <a:noFill/>
-          <a:extLst>
-            <a:ext uri="{909E8E84-426E-40DD-AFC4-6F175D3DCCD1}">
-              <a14:hiddenFill xmlns:a14="http://schemas.microsoft.com/office/drawing/2010/main">
+        </p:spPr>
+        <p:txBody>
+          <a:bodyPr vert="horz" lIns="18288" tIns="45720" rIns="18288" bIns="45720" rtlCol="0" anchor="ctr">
+            <a:normAutofit/>
+          </a:bodyPr>
+          <a:lstStyle/>
+          <a:p>
+            <a:pPr>
+              <a:lnSpc>
+                <a:spcPct val="90000"/>
+              </a:lnSpc>
+              <a:spcAft>
+                <a:spcPts val="600"/>
+              </a:spcAft>
+            </a:pPr>
+            <a:fld id="{66541124-6A23-4844-B9EA-7566DC06A6D2}" type="slidenum">
+              <a:rPr lang="en-US" kern="1200" spc="0" baseline="0" dirty="0">
                 <a:solidFill>
                   <a:srgbClr val="FFFFFF"/>
                 </a:solidFill>
-              </a14:hiddenFill>
-            </a:ext>
-          </a:extLst>
-        </p:spPr>
-      </p:pic>
+                <a:latin typeface="+mn-lt"/>
+                <a:ea typeface="+mn-ea"/>
+                <a:cs typeface="+mn-cs"/>
+              </a:rPr>
+              <a:pPr>
+                <a:lnSpc>
+                  <a:spcPct val="90000"/>
+                </a:lnSpc>
+                <a:spcAft>
+                  <a:spcPts val="600"/>
+                </a:spcAft>
+              </a:pPr>
+              <a:t>1</a:t>
+            </a:fld>
+            <a:endParaRPr lang="en-US" kern="1200" spc="0" baseline="0" dirty="0">
+              <a:solidFill>
+                <a:srgbClr val="FFFFFF"/>
+              </a:solidFill>
+              <a:latin typeface="+mn-lt"/>
+              <a:ea typeface="+mn-ea"/>
+              <a:cs typeface="+mn-cs"/>
+            </a:endParaRPr>
+          </a:p>
+        </p:txBody>
+      </p:sp>
     </p:spTree>
     <p:extLst>
       <p:ext uri="{BB962C8B-B14F-4D97-AF65-F5344CB8AC3E}">
@@ -4409,9 +5112,10 @@
           <a:lstStyle/>
           <a:p>
             <a:r>
-              <a:rPr lang="en-US" sz="2000"/>
-              <a:t>Vue d’architecture</a:t>
-            </a:r>
+              <a:rPr lang="en-US" sz="2000" dirty="0" err="1"/>
+              <a:t>Usecases</a:t>
+            </a:r>
+            <a:endParaRPr lang="en-US" sz="2000" dirty="0"/>
           </a:p>
         </p:txBody>
       </p:sp>
@@ -4513,6 +5217,1873 @@
 </file>
 
 <file path=ppt/slides/slide4.xml><?xml version="1.0" encoding="utf-8"?>
+<p:sld xmlns:a="http://schemas.openxmlformats.org/drawingml/2006/main" xmlns:r="http://schemas.openxmlformats.org/officeDocument/2006/relationships" xmlns:p="http://schemas.openxmlformats.org/presentationml/2006/main">
+  <p:cSld>
+    <p:bg>
+      <p:bgPr>
+        <a:solidFill>
+          <a:schemeClr val="bg1"/>
+        </a:solidFill>
+        <a:effectLst/>
+      </p:bgPr>
+    </p:bg>
+    <p:spTree>
+      <p:nvGrpSpPr>
+        <p:cNvPr id="1" name="">
+          <a:extLst>
+            <a:ext uri="{FF2B5EF4-FFF2-40B4-BE49-F238E27FC236}">
+              <a16:creationId xmlns:a16="http://schemas.microsoft.com/office/drawing/2014/main" id="{BBA79F55-AB7E-77A4-7B9C-975AFDC54E78}"/>
+            </a:ext>
+          </a:extLst>
+        </p:cNvPr>
+        <p:cNvGrpSpPr/>
+        <p:nvPr/>
+      </p:nvGrpSpPr>
+      <p:grpSpPr>
+        <a:xfrm>
+          <a:off x="0" y="0"/>
+          <a:ext cx="0" cy="0"/>
+          <a:chOff x="0" y="0"/>
+          <a:chExt cx="0" cy="0"/>
+        </a:xfrm>
+      </p:grpSpPr>
+      <p:sp useBgFill="1">
+        <p:nvSpPr>
+          <p:cNvPr id="10" name="Rectangle 9">
+            <a:extLst>
+              <a:ext uri="{FF2B5EF4-FFF2-40B4-BE49-F238E27FC236}">
+                <a16:creationId xmlns:a16="http://schemas.microsoft.com/office/drawing/2014/main" id="{A294DDF5-C413-7A57-1972-39856851B455}"/>
+              </a:ext>
+              <a:ext uri="{C183D7F6-B498-43B3-948B-1728B52AA6E4}">
+                <adec:decorative xmlns:adec="http://schemas.microsoft.com/office/drawing/2017/decorative" val="1"/>
+              </a:ext>
+            </a:extLst>
+          </p:cNvPr>
+          <p:cNvSpPr>
+            <a:spLocks noGrp="1" noRot="1" noChangeAspect="1" noMove="1" noResize="1" noEditPoints="1" noAdjustHandles="1" noChangeArrowheads="1" noChangeShapeType="1" noTextEdit="1"/>
+          </p:cNvSpPr>
+          <p:nvPr>
+            <p:extLst>
+              <p:ext uri="{386F3935-93C4-4BCD-93E2-E3B085C9AB24}">
+                <p16:designElem xmlns:p16="http://schemas.microsoft.com/office/powerpoint/2015/main" val="1"/>
+              </p:ext>
+            </p:extLst>
+          </p:nvPr>
+        </p:nvSpPr>
+        <p:spPr>
+          <a:xfrm>
+            <a:off x="0" y="0"/>
+            <a:ext cx="12191999" cy="6858000"/>
+          </a:xfrm>
+          <a:prstGeom prst="rect">
+            <a:avLst/>
+          </a:prstGeom>
+          <a:ln>
+            <a:noFill/>
+          </a:ln>
+        </p:spPr>
+        <p:style>
+          <a:lnRef idx="2">
+            <a:schemeClr val="accent1">
+              <a:shade val="50000"/>
+            </a:schemeClr>
+          </a:lnRef>
+          <a:fillRef idx="1">
+            <a:schemeClr val="accent1"/>
+          </a:fillRef>
+          <a:effectRef idx="0">
+            <a:schemeClr val="accent1"/>
+          </a:effectRef>
+          <a:fontRef idx="minor">
+            <a:schemeClr val="lt1"/>
+          </a:fontRef>
+        </p:style>
+        <p:txBody>
+          <a:bodyPr rtlCol="0" anchor="ctr"/>
+          <a:lstStyle/>
+          <a:p>
+            <a:pPr algn="ctr"/>
+            <a:endParaRPr lang="en-US"/>
+          </a:p>
+        </p:txBody>
+      </p:sp>
+      <p:sp>
+        <p:nvSpPr>
+          <p:cNvPr id="12" name="Rectangle 11">
+            <a:extLst>
+              <a:ext uri="{FF2B5EF4-FFF2-40B4-BE49-F238E27FC236}">
+                <a16:creationId xmlns:a16="http://schemas.microsoft.com/office/drawing/2014/main" id="{01E47097-3781-604D-59F9-EA8305DEBA53}"/>
+              </a:ext>
+              <a:ext uri="{C183D7F6-B498-43B3-948B-1728B52AA6E4}">
+                <adec:decorative xmlns:adec="http://schemas.microsoft.com/office/drawing/2017/decorative" val="1"/>
+              </a:ext>
+            </a:extLst>
+          </p:cNvPr>
+          <p:cNvSpPr>
+            <a:spLocks noGrp="1" noRot="1" noChangeAspect="1" noMove="1" noResize="1" noEditPoints="1" noAdjustHandles="1" noChangeArrowheads="1" noChangeShapeType="1" noTextEdit="1"/>
+          </p:cNvSpPr>
+          <p:nvPr>
+            <p:extLst>
+              <p:ext uri="{386F3935-93C4-4BCD-93E2-E3B085C9AB24}">
+                <p16:designElem xmlns:p16="http://schemas.microsoft.com/office/powerpoint/2015/main" val="1"/>
+              </p:ext>
+            </p:extLst>
+          </p:nvPr>
+        </p:nvSpPr>
+        <p:spPr>
+          <a:xfrm>
+            <a:off x="1" y="1"/>
+            <a:ext cx="4654296" cy="6858000"/>
+          </a:xfrm>
+          <a:prstGeom prst="rect">
+            <a:avLst/>
+          </a:prstGeom>
+          <a:solidFill>
+            <a:schemeClr val="accent2"/>
+          </a:solidFill>
+          <a:ln>
+            <a:noFill/>
+          </a:ln>
+        </p:spPr>
+        <p:style>
+          <a:lnRef idx="2">
+            <a:schemeClr val="accent1">
+              <a:shade val="50000"/>
+            </a:schemeClr>
+          </a:lnRef>
+          <a:fillRef idx="1">
+            <a:schemeClr val="accent1"/>
+          </a:fillRef>
+          <a:effectRef idx="0">
+            <a:schemeClr val="accent1"/>
+          </a:effectRef>
+          <a:fontRef idx="minor">
+            <a:schemeClr val="lt1"/>
+          </a:fontRef>
+        </p:style>
+        <p:txBody>
+          <a:bodyPr rtlCol="0" anchor="ctr"/>
+          <a:lstStyle/>
+          <a:p>
+            <a:pPr algn="ctr"/>
+            <a:endParaRPr lang="en-US"/>
+          </a:p>
+        </p:txBody>
+      </p:sp>
+      <p:sp>
+        <p:nvSpPr>
+          <p:cNvPr id="2" name="Title 1">
+            <a:extLst>
+              <a:ext uri="{FF2B5EF4-FFF2-40B4-BE49-F238E27FC236}">
+                <a16:creationId xmlns:a16="http://schemas.microsoft.com/office/drawing/2014/main" id="{4E98BE49-E190-ADD0-F994-836AD3D635FD}"/>
+              </a:ext>
+            </a:extLst>
+          </p:cNvPr>
+          <p:cNvSpPr>
+            <a:spLocks noGrp="1"/>
+          </p:cNvSpPr>
+          <p:nvPr>
+            <p:ph type="title"/>
+          </p:nvPr>
+        </p:nvSpPr>
+        <p:spPr>
+          <a:xfrm>
+            <a:off x="804672" y="2404872"/>
+            <a:ext cx="3044950" cy="1627792"/>
+          </a:xfrm>
+        </p:spPr>
+        <p:txBody>
+          <a:bodyPr vert="horz" lIns="274320" tIns="182880" rIns="274320" bIns="182880" rtlCol="0" anchor="ctr" anchorCtr="1">
+            <a:normAutofit/>
+          </a:bodyPr>
+          <a:lstStyle/>
+          <a:p>
+            <a:r>
+              <a:rPr lang="en-US" sz="2000" dirty="0" err="1"/>
+              <a:t>séquence</a:t>
+            </a:r>
+            <a:endParaRPr lang="en-US" sz="2000" dirty="0"/>
+          </a:p>
+        </p:txBody>
+      </p:sp>
+      <p:sp>
+        <p:nvSpPr>
+          <p:cNvPr id="4" name="Slide Number Placeholder 3">
+            <a:extLst>
+              <a:ext uri="{FF2B5EF4-FFF2-40B4-BE49-F238E27FC236}">
+                <a16:creationId xmlns:a16="http://schemas.microsoft.com/office/drawing/2014/main" id="{CDA8635E-7446-9A06-B739-436D4583D099}"/>
+              </a:ext>
+            </a:extLst>
+          </p:cNvPr>
+          <p:cNvSpPr>
+            <a:spLocks noGrp="1"/>
+          </p:cNvSpPr>
+          <p:nvPr>
+            <p:ph type="sldNum" sz="quarter" idx="12"/>
+          </p:nvPr>
+        </p:nvSpPr>
+        <p:spPr>
+          <a:xfrm>
+            <a:off x="10758922" y="6217920"/>
+            <a:ext cx="365760" cy="365760"/>
+          </a:xfrm>
+        </p:spPr>
+        <p:txBody>
+          <a:bodyPr vert="horz" lIns="18288" tIns="45720" rIns="18288" bIns="45720" rtlCol="0" anchor="ctr">
+            <a:normAutofit/>
+          </a:bodyPr>
+          <a:lstStyle/>
+          <a:p>
+            <a:pPr>
+              <a:lnSpc>
+                <a:spcPct val="90000"/>
+              </a:lnSpc>
+              <a:spcAft>
+                <a:spcPts val="600"/>
+              </a:spcAft>
+            </a:pPr>
+            <a:fld id="{66541124-6A23-4844-B9EA-7566DC06A6D2}" type="slidenum">
+              <a:rPr lang="en-US" smtClean="0"/>
+              <a:pPr>
+                <a:lnSpc>
+                  <a:spcPct val="90000"/>
+                </a:lnSpc>
+                <a:spcAft>
+                  <a:spcPts val="600"/>
+                </a:spcAft>
+              </a:pPr>
+              <a:t>3</a:t>
+            </a:fld>
+            <a:endParaRPr lang="en-US"/>
+          </a:p>
+        </p:txBody>
+      </p:sp>
+      <p:pic>
+        <p:nvPicPr>
+          <p:cNvPr id="6" name="Picture 5">
+            <a:extLst>
+              <a:ext uri="{FF2B5EF4-FFF2-40B4-BE49-F238E27FC236}">
+                <a16:creationId xmlns:a16="http://schemas.microsoft.com/office/drawing/2014/main" id="{126FE1E5-ED49-FEE2-A48F-0A5F9A02CC02}"/>
+              </a:ext>
+            </a:extLst>
+          </p:cNvPr>
+          <p:cNvPicPr>
+            <a:picLocks noChangeAspect="1"/>
+          </p:cNvPicPr>
+          <p:nvPr/>
+        </p:nvPicPr>
+        <p:blipFill>
+          <a:blip r:embed="rId3"/>
+          <a:stretch>
+            <a:fillRect/>
+          </a:stretch>
+        </p:blipFill>
+        <p:spPr>
+          <a:xfrm>
+            <a:off x="5377487" y="1782401"/>
+            <a:ext cx="6092416" cy="3293198"/>
+          </a:xfrm>
+          <a:prstGeom prst="rect">
+            <a:avLst/>
+          </a:prstGeom>
+        </p:spPr>
+      </p:pic>
+    </p:spTree>
+    <p:extLst>
+      <p:ext uri="{BB962C8B-B14F-4D97-AF65-F5344CB8AC3E}">
+        <p14:creationId xmlns:p14="http://schemas.microsoft.com/office/powerpoint/2010/main" val="3504647484"/>
+      </p:ext>
+    </p:extLst>
+  </p:cSld>
+  <p:clrMapOvr>
+    <a:masterClrMapping/>
+  </p:clrMapOvr>
+</p:sld>
+</file>
+
+<file path=ppt/slides/slide5.xml><?xml version="1.0" encoding="utf-8"?>
+<p:sld xmlns:a="http://schemas.openxmlformats.org/drawingml/2006/main" xmlns:r="http://schemas.openxmlformats.org/officeDocument/2006/relationships" xmlns:p="http://schemas.openxmlformats.org/presentationml/2006/main">
+  <p:cSld>
+    <p:bg>
+      <p:bgPr>
+        <a:solidFill>
+          <a:schemeClr val="bg1"/>
+        </a:solidFill>
+        <a:effectLst/>
+      </p:bgPr>
+    </p:bg>
+    <p:spTree>
+      <p:nvGrpSpPr>
+        <p:cNvPr id="1" name="">
+          <a:extLst>
+            <a:ext uri="{FF2B5EF4-FFF2-40B4-BE49-F238E27FC236}">
+              <a16:creationId xmlns:a16="http://schemas.microsoft.com/office/drawing/2014/main" id="{F002DB63-DC64-513E-2397-99D49F0E3CE0}"/>
+            </a:ext>
+          </a:extLst>
+        </p:cNvPr>
+        <p:cNvGrpSpPr/>
+        <p:nvPr/>
+      </p:nvGrpSpPr>
+      <p:grpSpPr>
+        <a:xfrm>
+          <a:off x="0" y="0"/>
+          <a:ext cx="0" cy="0"/>
+          <a:chOff x="0" y="0"/>
+          <a:chExt cx="0" cy="0"/>
+        </a:xfrm>
+      </p:grpSpPr>
+      <p:sp useBgFill="1">
+        <p:nvSpPr>
+          <p:cNvPr id="10" name="Rectangle 9">
+            <a:extLst>
+              <a:ext uri="{FF2B5EF4-FFF2-40B4-BE49-F238E27FC236}">
+                <a16:creationId xmlns:a16="http://schemas.microsoft.com/office/drawing/2014/main" id="{84210639-E16D-D6FF-996A-170959235533}"/>
+              </a:ext>
+              <a:ext uri="{C183D7F6-B498-43B3-948B-1728B52AA6E4}">
+                <adec:decorative xmlns:adec="http://schemas.microsoft.com/office/drawing/2017/decorative" val="1"/>
+              </a:ext>
+            </a:extLst>
+          </p:cNvPr>
+          <p:cNvSpPr>
+            <a:spLocks noGrp="1" noRot="1" noChangeAspect="1" noMove="1" noResize="1" noEditPoints="1" noAdjustHandles="1" noChangeArrowheads="1" noChangeShapeType="1" noTextEdit="1"/>
+          </p:cNvSpPr>
+          <p:nvPr>
+            <p:extLst>
+              <p:ext uri="{386F3935-93C4-4BCD-93E2-E3B085C9AB24}">
+                <p16:designElem xmlns:p16="http://schemas.microsoft.com/office/powerpoint/2015/main" val="1"/>
+              </p:ext>
+            </p:extLst>
+          </p:nvPr>
+        </p:nvSpPr>
+        <p:spPr>
+          <a:xfrm>
+            <a:off x="0" y="0"/>
+            <a:ext cx="12191999" cy="6858000"/>
+          </a:xfrm>
+          <a:prstGeom prst="rect">
+            <a:avLst/>
+          </a:prstGeom>
+          <a:ln>
+            <a:noFill/>
+          </a:ln>
+        </p:spPr>
+        <p:style>
+          <a:lnRef idx="2">
+            <a:schemeClr val="accent1">
+              <a:shade val="50000"/>
+            </a:schemeClr>
+          </a:lnRef>
+          <a:fillRef idx="1">
+            <a:schemeClr val="accent1"/>
+          </a:fillRef>
+          <a:effectRef idx="0">
+            <a:schemeClr val="accent1"/>
+          </a:effectRef>
+          <a:fontRef idx="minor">
+            <a:schemeClr val="lt1"/>
+          </a:fontRef>
+        </p:style>
+        <p:txBody>
+          <a:bodyPr rtlCol="0" anchor="ctr"/>
+          <a:lstStyle/>
+          <a:p>
+            <a:pPr algn="ctr"/>
+            <a:endParaRPr lang="en-US"/>
+          </a:p>
+        </p:txBody>
+      </p:sp>
+      <p:sp>
+        <p:nvSpPr>
+          <p:cNvPr id="12" name="Rectangle 11">
+            <a:extLst>
+              <a:ext uri="{FF2B5EF4-FFF2-40B4-BE49-F238E27FC236}">
+                <a16:creationId xmlns:a16="http://schemas.microsoft.com/office/drawing/2014/main" id="{CA45011B-3A7F-0FCE-5348-E56D4974C22D}"/>
+              </a:ext>
+              <a:ext uri="{C183D7F6-B498-43B3-948B-1728B52AA6E4}">
+                <adec:decorative xmlns:adec="http://schemas.microsoft.com/office/drawing/2017/decorative" val="1"/>
+              </a:ext>
+            </a:extLst>
+          </p:cNvPr>
+          <p:cNvSpPr>
+            <a:spLocks noGrp="1" noRot="1" noChangeAspect="1" noMove="1" noResize="1" noEditPoints="1" noAdjustHandles="1" noChangeArrowheads="1" noChangeShapeType="1" noTextEdit="1"/>
+          </p:cNvSpPr>
+          <p:nvPr>
+            <p:extLst>
+              <p:ext uri="{386F3935-93C4-4BCD-93E2-E3B085C9AB24}">
+                <p16:designElem xmlns:p16="http://schemas.microsoft.com/office/powerpoint/2015/main" val="1"/>
+              </p:ext>
+            </p:extLst>
+          </p:nvPr>
+        </p:nvSpPr>
+        <p:spPr>
+          <a:xfrm>
+            <a:off x="1" y="1"/>
+            <a:ext cx="4654296" cy="6858000"/>
+          </a:xfrm>
+          <a:prstGeom prst="rect">
+            <a:avLst/>
+          </a:prstGeom>
+          <a:solidFill>
+            <a:schemeClr val="accent2"/>
+          </a:solidFill>
+          <a:ln>
+            <a:noFill/>
+          </a:ln>
+        </p:spPr>
+        <p:style>
+          <a:lnRef idx="2">
+            <a:schemeClr val="accent1">
+              <a:shade val="50000"/>
+            </a:schemeClr>
+          </a:lnRef>
+          <a:fillRef idx="1">
+            <a:schemeClr val="accent1"/>
+          </a:fillRef>
+          <a:effectRef idx="0">
+            <a:schemeClr val="accent1"/>
+          </a:effectRef>
+          <a:fontRef idx="minor">
+            <a:schemeClr val="lt1"/>
+          </a:fontRef>
+        </p:style>
+        <p:txBody>
+          <a:bodyPr rtlCol="0" anchor="ctr"/>
+          <a:lstStyle/>
+          <a:p>
+            <a:pPr algn="ctr"/>
+            <a:endParaRPr lang="en-US"/>
+          </a:p>
+        </p:txBody>
+      </p:sp>
+      <p:sp>
+        <p:nvSpPr>
+          <p:cNvPr id="2" name="Title 1">
+            <a:extLst>
+              <a:ext uri="{FF2B5EF4-FFF2-40B4-BE49-F238E27FC236}">
+                <a16:creationId xmlns:a16="http://schemas.microsoft.com/office/drawing/2014/main" id="{4BA32BDF-A02B-0ACD-A233-6522A48457D9}"/>
+              </a:ext>
+            </a:extLst>
+          </p:cNvPr>
+          <p:cNvSpPr>
+            <a:spLocks noGrp="1"/>
+          </p:cNvSpPr>
+          <p:nvPr>
+            <p:ph type="title"/>
+          </p:nvPr>
+        </p:nvSpPr>
+        <p:spPr>
+          <a:xfrm>
+            <a:off x="804672" y="2404872"/>
+            <a:ext cx="3044950" cy="1627792"/>
+          </a:xfrm>
+        </p:spPr>
+        <p:txBody>
+          <a:bodyPr vert="horz" lIns="274320" tIns="182880" rIns="274320" bIns="182880" rtlCol="0" anchor="ctr" anchorCtr="1">
+            <a:normAutofit/>
+          </a:bodyPr>
+          <a:lstStyle/>
+          <a:p>
+            <a:r>
+              <a:rPr lang="en-US" sz="2000" dirty="0" err="1"/>
+              <a:t>déploiement</a:t>
+            </a:r>
+            <a:endParaRPr lang="en-US" sz="2000" dirty="0"/>
+          </a:p>
+        </p:txBody>
+      </p:sp>
+      <p:sp>
+        <p:nvSpPr>
+          <p:cNvPr id="4" name="Slide Number Placeholder 3">
+            <a:extLst>
+              <a:ext uri="{FF2B5EF4-FFF2-40B4-BE49-F238E27FC236}">
+                <a16:creationId xmlns:a16="http://schemas.microsoft.com/office/drawing/2014/main" id="{F6665448-92C4-FF43-284B-F59639B7DBB4}"/>
+              </a:ext>
+            </a:extLst>
+          </p:cNvPr>
+          <p:cNvSpPr>
+            <a:spLocks noGrp="1"/>
+          </p:cNvSpPr>
+          <p:nvPr>
+            <p:ph type="sldNum" sz="quarter" idx="12"/>
+          </p:nvPr>
+        </p:nvSpPr>
+        <p:spPr>
+          <a:xfrm>
+            <a:off x="10758922" y="6217920"/>
+            <a:ext cx="365760" cy="365760"/>
+          </a:xfrm>
+        </p:spPr>
+        <p:txBody>
+          <a:bodyPr vert="horz" lIns="18288" tIns="45720" rIns="18288" bIns="45720" rtlCol="0" anchor="ctr">
+            <a:normAutofit/>
+          </a:bodyPr>
+          <a:lstStyle/>
+          <a:p>
+            <a:pPr>
+              <a:lnSpc>
+                <a:spcPct val="90000"/>
+              </a:lnSpc>
+              <a:spcAft>
+                <a:spcPts val="600"/>
+              </a:spcAft>
+            </a:pPr>
+            <a:fld id="{66541124-6A23-4844-B9EA-7566DC06A6D2}" type="slidenum">
+              <a:rPr lang="en-US" smtClean="0"/>
+              <a:pPr>
+                <a:lnSpc>
+                  <a:spcPct val="90000"/>
+                </a:lnSpc>
+                <a:spcAft>
+                  <a:spcPts val="600"/>
+                </a:spcAft>
+              </a:pPr>
+              <a:t>4</a:t>
+            </a:fld>
+            <a:endParaRPr lang="en-US"/>
+          </a:p>
+        </p:txBody>
+      </p:sp>
+      <p:pic>
+        <p:nvPicPr>
+          <p:cNvPr id="6" name="Picture 5">
+            <a:extLst>
+              <a:ext uri="{FF2B5EF4-FFF2-40B4-BE49-F238E27FC236}">
+                <a16:creationId xmlns:a16="http://schemas.microsoft.com/office/drawing/2014/main" id="{B5F6C952-34A9-AA03-505D-107E4267DC74}"/>
+              </a:ext>
+            </a:extLst>
+          </p:cNvPr>
+          <p:cNvPicPr>
+            <a:picLocks noChangeAspect="1"/>
+          </p:cNvPicPr>
+          <p:nvPr/>
+        </p:nvPicPr>
+        <p:blipFill>
+          <a:blip r:embed="rId3"/>
+          <a:stretch>
+            <a:fillRect/>
+          </a:stretch>
+        </p:blipFill>
+        <p:spPr>
+          <a:xfrm>
+            <a:off x="6864297" y="1694783"/>
+            <a:ext cx="3906696" cy="3533585"/>
+          </a:xfrm>
+          <a:prstGeom prst="rect">
+            <a:avLst/>
+          </a:prstGeom>
+        </p:spPr>
+      </p:pic>
+    </p:spTree>
+    <p:extLst>
+      <p:ext uri="{BB962C8B-B14F-4D97-AF65-F5344CB8AC3E}">
+        <p14:creationId xmlns:p14="http://schemas.microsoft.com/office/powerpoint/2010/main" val="3146514351"/>
+      </p:ext>
+    </p:extLst>
+  </p:cSld>
+  <p:clrMapOvr>
+    <a:masterClrMapping/>
+  </p:clrMapOvr>
+</p:sld>
+</file>
+
+<file path=ppt/slides/slide6.xml><?xml version="1.0" encoding="utf-8"?>
+<p:sld xmlns:a="http://schemas.openxmlformats.org/drawingml/2006/main" xmlns:r="http://schemas.openxmlformats.org/officeDocument/2006/relationships" xmlns:p="http://schemas.openxmlformats.org/presentationml/2006/main">
+  <p:cSld>
+    <p:spTree>
+      <p:nvGrpSpPr>
+        <p:cNvPr id="1" name=""/>
+        <p:cNvGrpSpPr/>
+        <p:nvPr/>
+      </p:nvGrpSpPr>
+      <p:grpSpPr>
+        <a:xfrm>
+          <a:off x="0" y="0"/>
+          <a:ext cx="0" cy="0"/>
+          <a:chOff x="0" y="0"/>
+          <a:chExt cx="0" cy="0"/>
+        </a:xfrm>
+      </p:grpSpPr>
+      <p:sp>
+        <p:nvSpPr>
+          <p:cNvPr id="2" name="Title 1">
+            <a:extLst>
+              <a:ext uri="{FF2B5EF4-FFF2-40B4-BE49-F238E27FC236}">
+                <a16:creationId xmlns:a16="http://schemas.microsoft.com/office/drawing/2014/main" id="{4CAE43CC-4F01-6E20-12B2-6FE12C1952A0}"/>
+              </a:ext>
+            </a:extLst>
+          </p:cNvPr>
+          <p:cNvSpPr>
+            <a:spLocks noGrp="1"/>
+          </p:cNvSpPr>
+          <p:nvPr>
+            <p:ph type="title"/>
+          </p:nvPr>
+        </p:nvSpPr>
+        <p:spPr/>
+        <p:txBody>
+          <a:bodyPr/>
+          <a:lstStyle/>
+          <a:p>
+            <a:r>
+              <a:rPr lang="en-US" dirty="0"/>
+              <a:t>ADR Choix de layer Ethereum</a:t>
+            </a:r>
+          </a:p>
+        </p:txBody>
+      </p:sp>
+      <p:sp>
+        <p:nvSpPr>
+          <p:cNvPr id="3" name="Content Placeholder 2">
+            <a:extLst>
+              <a:ext uri="{FF2B5EF4-FFF2-40B4-BE49-F238E27FC236}">
+                <a16:creationId xmlns:a16="http://schemas.microsoft.com/office/drawing/2014/main" id="{CB79BB21-0694-2E34-7E1F-6A6EDDC8F72D}"/>
+              </a:ext>
+            </a:extLst>
+          </p:cNvPr>
+          <p:cNvSpPr>
+            <a:spLocks noGrp="1"/>
+          </p:cNvSpPr>
+          <p:nvPr>
+            <p:ph idx="1"/>
+          </p:nvPr>
+        </p:nvSpPr>
+        <p:spPr>
+          <a:xfrm>
+            <a:off x="677544" y="2655799"/>
+            <a:ext cx="3264141" cy="3101983"/>
+          </a:xfrm>
+        </p:spPr>
+        <p:txBody>
+          <a:bodyPr>
+            <a:normAutofit/>
+          </a:bodyPr>
+          <a:lstStyle/>
+          <a:p>
+            <a:r>
+              <a:rPr lang="en-CA" b="1" dirty="0"/>
+              <a:t>Ethereum </a:t>
+            </a:r>
+            <a:r>
+              <a:rPr lang="en-CA" b="1" dirty="0" err="1"/>
+              <a:t>Mainnet</a:t>
+            </a:r>
+            <a:r>
+              <a:rPr lang="en-CA" b="1" dirty="0"/>
+              <a:t> (L1)</a:t>
+            </a:r>
+            <a:br>
+              <a:rPr lang="en-CA" dirty="0"/>
+            </a:br>
+            <a:r>
+              <a:rPr lang="en-CA" dirty="0"/>
+              <a:t>✓ </a:t>
+            </a:r>
+            <a:r>
+              <a:rPr lang="en-CA" dirty="0" err="1"/>
+              <a:t>Sécurité</a:t>
+            </a:r>
+            <a:r>
+              <a:rPr lang="en-CA" dirty="0"/>
+              <a:t> </a:t>
+            </a:r>
+            <a:r>
+              <a:rPr lang="en-CA" dirty="0" err="1"/>
+              <a:t>maximale</a:t>
+            </a:r>
+            <a:br>
+              <a:rPr lang="en-CA" dirty="0"/>
+            </a:br>
+            <a:r>
+              <a:rPr lang="en-CA" dirty="0"/>
+              <a:t>✓ </a:t>
+            </a:r>
+            <a:r>
+              <a:rPr lang="en-CA" dirty="0" err="1"/>
+              <a:t>Complètement</a:t>
+            </a:r>
+            <a:r>
+              <a:rPr lang="en-CA" dirty="0"/>
+              <a:t> </a:t>
+            </a:r>
+            <a:r>
+              <a:rPr lang="en-CA" dirty="0" err="1"/>
+              <a:t>décentralisé</a:t>
+            </a:r>
+            <a:br>
+              <a:rPr lang="en-CA" dirty="0"/>
+            </a:br>
+            <a:r>
+              <a:rPr lang="en-CA" dirty="0"/>
+              <a:t>✗ </a:t>
+            </a:r>
+            <a:r>
+              <a:rPr lang="en-CA" dirty="0" err="1"/>
+              <a:t>Coût</a:t>
+            </a:r>
+            <a:r>
+              <a:rPr lang="en-CA" dirty="0"/>
+              <a:t> </a:t>
+            </a:r>
+            <a:r>
+              <a:rPr lang="en-CA" dirty="0" err="1"/>
+              <a:t>élevé</a:t>
+            </a:r>
+            <a:r>
+              <a:rPr lang="en-CA" dirty="0"/>
+              <a:t> (&gt;1$/transaction)</a:t>
+            </a:r>
+            <a:br>
+              <a:rPr lang="en-CA" dirty="0"/>
+            </a:br>
+            <a:r>
+              <a:rPr lang="en-CA" dirty="0"/>
+              <a:t>✗ </a:t>
+            </a:r>
+            <a:r>
+              <a:rPr lang="en-CA" dirty="0" err="1"/>
+              <a:t>Scalabilité</a:t>
+            </a:r>
+            <a:r>
+              <a:rPr lang="en-CA" dirty="0"/>
+              <a:t> </a:t>
+            </a:r>
+            <a:r>
+              <a:rPr lang="en-CA" dirty="0" err="1"/>
+              <a:t>limitée</a:t>
+            </a:r>
+            <a:endParaRPr lang="en-CA" dirty="0"/>
+          </a:p>
+          <a:p>
+            <a:pPr marL="0" indent="0">
+              <a:buNone/>
+            </a:pPr>
+            <a:endParaRPr lang="en-US" dirty="0"/>
+          </a:p>
+          <a:p>
+            <a:pPr marL="0" indent="0">
+              <a:buNone/>
+            </a:pPr>
+            <a:endParaRPr lang="en-US" dirty="0"/>
+          </a:p>
+          <a:p>
+            <a:pPr marL="342900" indent="-342900">
+              <a:buAutoNum type="arabicPeriod"/>
+            </a:pPr>
+            <a:endParaRPr lang="en-US" dirty="0"/>
+          </a:p>
+        </p:txBody>
+      </p:sp>
+      <p:sp>
+        <p:nvSpPr>
+          <p:cNvPr id="4" name="Slide Number Placeholder 3">
+            <a:extLst>
+              <a:ext uri="{FF2B5EF4-FFF2-40B4-BE49-F238E27FC236}">
+                <a16:creationId xmlns:a16="http://schemas.microsoft.com/office/drawing/2014/main" id="{903C2F30-20F1-8601-E2E0-29679BEA8671}"/>
+              </a:ext>
+            </a:extLst>
+          </p:cNvPr>
+          <p:cNvSpPr>
+            <a:spLocks noGrp="1"/>
+          </p:cNvSpPr>
+          <p:nvPr>
+            <p:ph type="sldNum" sz="quarter" idx="12"/>
+          </p:nvPr>
+        </p:nvSpPr>
+        <p:spPr/>
+        <p:txBody>
+          <a:bodyPr/>
+          <a:lstStyle/>
+          <a:p>
+            <a:fld id="{66541124-6A23-4844-B9EA-7566DC06A6D2}" type="slidenum">
+              <a:rPr lang="en-US" smtClean="0"/>
+              <a:t>5</a:t>
+            </a:fld>
+            <a:endParaRPr lang="en-US"/>
+          </a:p>
+        </p:txBody>
+      </p:sp>
+      <p:sp>
+        <p:nvSpPr>
+          <p:cNvPr id="5" name="Content Placeholder 2">
+            <a:extLst>
+              <a:ext uri="{FF2B5EF4-FFF2-40B4-BE49-F238E27FC236}">
+                <a16:creationId xmlns:a16="http://schemas.microsoft.com/office/drawing/2014/main" id="{1392D18A-FB75-7AF3-7859-D4909B5535BB}"/>
+              </a:ext>
+            </a:extLst>
+          </p:cNvPr>
+          <p:cNvSpPr txBox="1">
+            <a:spLocks/>
+          </p:cNvSpPr>
+          <p:nvPr/>
+        </p:nvSpPr>
+        <p:spPr>
+          <a:xfrm>
+            <a:off x="4230092" y="2655798"/>
+            <a:ext cx="3520114" cy="3101983"/>
+          </a:xfrm>
+          <a:prstGeom prst="rect">
+            <a:avLst/>
+          </a:prstGeom>
+        </p:spPr>
+        <p:txBody>
+          <a:bodyPr vert="horz" lIns="91440" tIns="45720" rIns="91440" bIns="45720" rtlCol="0">
+            <a:normAutofit/>
+          </a:bodyPr>
+          <a:lstStyle>
+            <a:lvl1pPr marL="228600" indent="-228600" algn="l" defTabSz="914400" rtl="0" eaLnBrk="1" latinLnBrk="0" hangingPunct="1">
+              <a:lnSpc>
+                <a:spcPct val="100000"/>
+              </a:lnSpc>
+              <a:spcBef>
+                <a:spcPts val="1000"/>
+              </a:spcBef>
+              <a:buClr>
+                <a:schemeClr val="accent2"/>
+              </a:buClr>
+              <a:buFont typeface="Arial" panose="020B0604020202020204" pitchFamily="34" charset="0"/>
+              <a:buChar char="•"/>
+              <a:defRPr sz="1800" kern="1200">
+                <a:solidFill>
+                  <a:schemeClr val="tx1">
+                    <a:lumMod val="85000"/>
+                    <a:lumOff val="15000"/>
+                  </a:schemeClr>
+                </a:solidFill>
+                <a:latin typeface="+mn-lt"/>
+                <a:ea typeface="+mn-ea"/>
+                <a:cs typeface="+mn-cs"/>
+              </a:defRPr>
+            </a:lvl1pPr>
+            <a:lvl2pPr marL="457200" indent="-228600" algn="l" defTabSz="914400" rtl="0" eaLnBrk="1" latinLnBrk="0" hangingPunct="1">
+              <a:lnSpc>
+                <a:spcPct val="100000"/>
+              </a:lnSpc>
+              <a:spcBef>
+                <a:spcPts val="1000"/>
+              </a:spcBef>
+              <a:buClr>
+                <a:schemeClr val="accent2"/>
+              </a:buClr>
+              <a:buFont typeface="Arial" panose="020B0604020202020204" pitchFamily="34" charset="0"/>
+              <a:buChar char="•"/>
+              <a:defRPr sz="1600" kern="1200">
+                <a:solidFill>
+                  <a:schemeClr val="tx1">
+                    <a:lumMod val="85000"/>
+                    <a:lumOff val="15000"/>
+                  </a:schemeClr>
+                </a:solidFill>
+                <a:latin typeface="+mn-lt"/>
+                <a:ea typeface="+mn-ea"/>
+                <a:cs typeface="+mn-cs"/>
+              </a:defRPr>
+            </a:lvl2pPr>
+            <a:lvl3pPr marL="685800" indent="-228600" algn="l" defTabSz="914400" rtl="0" eaLnBrk="1" latinLnBrk="0" hangingPunct="1">
+              <a:lnSpc>
+                <a:spcPct val="100000"/>
+              </a:lnSpc>
+              <a:spcBef>
+                <a:spcPts val="1000"/>
+              </a:spcBef>
+              <a:buClr>
+                <a:schemeClr val="accent2"/>
+              </a:buClr>
+              <a:buFont typeface="Arial" panose="020B0604020202020204" pitchFamily="34" charset="0"/>
+              <a:buChar char="•"/>
+              <a:defRPr sz="1600" kern="1200">
+                <a:solidFill>
+                  <a:schemeClr val="tx1">
+                    <a:lumMod val="85000"/>
+                    <a:lumOff val="15000"/>
+                  </a:schemeClr>
+                </a:solidFill>
+                <a:latin typeface="+mn-lt"/>
+                <a:ea typeface="+mn-ea"/>
+                <a:cs typeface="+mn-cs"/>
+              </a:defRPr>
+            </a:lvl3pPr>
+            <a:lvl4pPr marL="914400" indent="-228600" algn="l" defTabSz="914400" rtl="0" eaLnBrk="1" latinLnBrk="0" hangingPunct="1">
+              <a:lnSpc>
+                <a:spcPct val="100000"/>
+              </a:lnSpc>
+              <a:spcBef>
+                <a:spcPts val="1000"/>
+              </a:spcBef>
+              <a:buClr>
+                <a:schemeClr val="accent2"/>
+              </a:buClr>
+              <a:buFont typeface="Arial" panose="020B0604020202020204" pitchFamily="34" charset="0"/>
+              <a:buChar char="•"/>
+              <a:defRPr sz="1600" kern="1200">
+                <a:solidFill>
+                  <a:schemeClr val="tx1">
+                    <a:lumMod val="85000"/>
+                    <a:lumOff val="15000"/>
+                  </a:schemeClr>
+                </a:solidFill>
+                <a:latin typeface="+mn-lt"/>
+                <a:ea typeface="+mn-ea"/>
+                <a:cs typeface="+mn-cs"/>
+              </a:defRPr>
+            </a:lvl4pPr>
+            <a:lvl5pPr marL="1143000" indent="-228600" algn="l" defTabSz="914400" rtl="0" eaLnBrk="1" latinLnBrk="0" hangingPunct="1">
+              <a:lnSpc>
+                <a:spcPct val="100000"/>
+              </a:lnSpc>
+              <a:spcBef>
+                <a:spcPts val="1000"/>
+              </a:spcBef>
+              <a:buClr>
+                <a:schemeClr val="accent2"/>
+              </a:buClr>
+              <a:buFont typeface="Arial" panose="020B0604020202020204" pitchFamily="34" charset="0"/>
+              <a:buChar char="•"/>
+              <a:defRPr sz="1600" kern="1200">
+                <a:solidFill>
+                  <a:schemeClr val="tx1">
+                    <a:lumMod val="85000"/>
+                    <a:lumOff val="15000"/>
+                  </a:schemeClr>
+                </a:solidFill>
+                <a:latin typeface="+mn-lt"/>
+                <a:ea typeface="+mn-ea"/>
+                <a:cs typeface="+mn-cs"/>
+              </a:defRPr>
+            </a:lvl5pPr>
+            <a:lvl6pPr marL="1312863" indent="-228600" algn="l" defTabSz="914400" rtl="0" eaLnBrk="1" latinLnBrk="0" hangingPunct="1">
+              <a:lnSpc>
+                <a:spcPct val="100000"/>
+              </a:lnSpc>
+              <a:spcBef>
+                <a:spcPts val="1000"/>
+              </a:spcBef>
+              <a:buClr>
+                <a:schemeClr val="accent2"/>
+              </a:buClr>
+              <a:buFont typeface="Arial" panose="020B0604020202020204" pitchFamily="34" charset="0"/>
+              <a:buChar char="•"/>
+              <a:defRPr sz="1600" kern="1200">
+                <a:solidFill>
+                  <a:schemeClr val="tx1"/>
+                </a:solidFill>
+                <a:latin typeface="+mn-lt"/>
+                <a:ea typeface="+mn-ea"/>
+                <a:cs typeface="+mn-cs"/>
+              </a:defRPr>
+            </a:lvl6pPr>
+            <a:lvl7pPr marL="1484313" indent="-228600" algn="l" defTabSz="914400" rtl="0" eaLnBrk="1" latinLnBrk="0" hangingPunct="1">
+              <a:lnSpc>
+                <a:spcPct val="100000"/>
+              </a:lnSpc>
+              <a:spcBef>
+                <a:spcPts val="1000"/>
+              </a:spcBef>
+              <a:buClr>
+                <a:schemeClr val="accent2"/>
+              </a:buClr>
+              <a:buFont typeface="Arial" panose="020B0604020202020204" pitchFamily="34" charset="0"/>
+              <a:buChar char="•"/>
+              <a:defRPr sz="1600" kern="1200">
+                <a:solidFill>
+                  <a:schemeClr val="tx1"/>
+                </a:solidFill>
+                <a:latin typeface="+mn-lt"/>
+                <a:ea typeface="+mn-ea"/>
+                <a:cs typeface="+mn-cs"/>
+              </a:defRPr>
+            </a:lvl7pPr>
+            <a:lvl8pPr marL="1657350" indent="-228600" algn="l" defTabSz="914400" rtl="0" eaLnBrk="1" latinLnBrk="0" hangingPunct="1">
+              <a:lnSpc>
+                <a:spcPct val="100000"/>
+              </a:lnSpc>
+              <a:spcBef>
+                <a:spcPts val="1000"/>
+              </a:spcBef>
+              <a:buClr>
+                <a:schemeClr val="accent2"/>
+              </a:buClr>
+              <a:buFont typeface="Arial" panose="020B0604020202020204" pitchFamily="34" charset="0"/>
+              <a:buChar char="•"/>
+              <a:defRPr sz="1600" kern="1200" baseline="0">
+                <a:solidFill>
+                  <a:schemeClr val="tx1"/>
+                </a:solidFill>
+                <a:latin typeface="+mn-lt"/>
+                <a:ea typeface="+mn-ea"/>
+                <a:cs typeface="+mn-cs"/>
+              </a:defRPr>
+            </a:lvl8pPr>
+            <a:lvl9pPr marL="1882775" indent="-228600" algn="l" defTabSz="914400" rtl="0" eaLnBrk="1" latinLnBrk="0" hangingPunct="1">
+              <a:lnSpc>
+                <a:spcPct val="100000"/>
+              </a:lnSpc>
+              <a:spcBef>
+                <a:spcPts val="1000"/>
+              </a:spcBef>
+              <a:buClr>
+                <a:schemeClr val="accent2"/>
+              </a:buClr>
+              <a:buFont typeface="Arial" panose="020B0604020202020204" pitchFamily="34" charset="0"/>
+              <a:buChar char="•"/>
+              <a:defRPr sz="1600" kern="1200" baseline="0">
+                <a:solidFill>
+                  <a:schemeClr val="tx1"/>
+                </a:solidFill>
+                <a:latin typeface="+mn-lt"/>
+                <a:ea typeface="+mn-ea"/>
+                <a:cs typeface="+mn-cs"/>
+              </a:defRPr>
+            </a:lvl9pPr>
+          </a:lstStyle>
+          <a:p>
+            <a:r>
+              <a:rPr lang="en-CA" b="1" dirty="0"/>
+              <a:t>Layer 2 (</a:t>
+            </a:r>
+            <a:r>
+              <a:rPr lang="en-CA" b="1" dirty="0" err="1"/>
+              <a:t>Arbitrum</a:t>
+            </a:r>
+            <a:r>
+              <a:rPr lang="en-CA" b="1" dirty="0"/>
+              <a:t>/Polygon)</a:t>
+            </a:r>
+            <a:br>
+              <a:rPr lang="en-CA" dirty="0"/>
+            </a:br>
+            <a:r>
+              <a:rPr lang="en-CA" dirty="0"/>
+              <a:t>✓ Frais </a:t>
+            </a:r>
+            <a:r>
+              <a:rPr lang="en-CA" dirty="0" err="1"/>
+              <a:t>réduits</a:t>
+            </a:r>
+            <a:r>
+              <a:rPr lang="en-CA" dirty="0"/>
+              <a:t> (10-50x </a:t>
+            </a:r>
+            <a:r>
+              <a:rPr lang="en-CA" dirty="0" err="1"/>
+              <a:t>moins</a:t>
+            </a:r>
+            <a:r>
+              <a:rPr lang="en-CA" dirty="0"/>
+              <a:t> </a:t>
+            </a:r>
+            <a:r>
+              <a:rPr lang="en-CA" dirty="0" err="1"/>
+              <a:t>cher</a:t>
+            </a:r>
+            <a:r>
+              <a:rPr lang="en-CA" dirty="0"/>
+              <a:t>)</a:t>
+            </a:r>
+            <a:br>
+              <a:rPr lang="en-CA" dirty="0"/>
+            </a:br>
+            <a:r>
+              <a:rPr lang="en-CA" dirty="0"/>
+              <a:t>✓ </a:t>
+            </a:r>
+            <a:r>
+              <a:rPr lang="en-CA" dirty="0" err="1"/>
+              <a:t>Compatibilité</a:t>
+            </a:r>
+            <a:r>
+              <a:rPr lang="en-CA" dirty="0"/>
+              <a:t> EVM </a:t>
+            </a:r>
+            <a:r>
+              <a:rPr lang="en-CA" dirty="0" err="1"/>
+              <a:t>complète</a:t>
+            </a:r>
+            <a:br>
+              <a:rPr lang="en-CA" dirty="0"/>
+            </a:br>
+            <a:r>
+              <a:rPr lang="en-CA" dirty="0"/>
+              <a:t>✗ Solution </a:t>
+            </a:r>
+            <a:r>
+              <a:rPr lang="en-CA" dirty="0" err="1"/>
+              <a:t>générique</a:t>
+            </a:r>
+            <a:r>
+              <a:rPr lang="en-CA" dirty="0"/>
+              <a:t>, non </a:t>
+            </a:r>
+            <a:r>
+              <a:rPr lang="en-CA" dirty="0" err="1"/>
+              <a:t>optimisée</a:t>
+            </a:r>
+            <a:br>
+              <a:rPr lang="en-CA" dirty="0"/>
+            </a:br>
+            <a:r>
+              <a:rPr lang="en-CA" dirty="0"/>
+              <a:t>✗ </a:t>
+            </a:r>
+            <a:r>
+              <a:rPr lang="en-CA" dirty="0" err="1"/>
+              <a:t>Moins</a:t>
+            </a:r>
+            <a:r>
+              <a:rPr lang="en-CA" dirty="0"/>
+              <a:t> de </a:t>
+            </a:r>
+            <a:r>
+              <a:rPr lang="en-CA" dirty="0" err="1"/>
+              <a:t>contrôle</a:t>
+            </a:r>
+            <a:r>
+              <a:rPr lang="en-CA" dirty="0"/>
+              <a:t> sur le réseau</a:t>
+            </a:r>
+          </a:p>
+        </p:txBody>
+      </p:sp>
+      <p:sp>
+        <p:nvSpPr>
+          <p:cNvPr id="6" name="Content Placeholder 2">
+            <a:extLst>
+              <a:ext uri="{FF2B5EF4-FFF2-40B4-BE49-F238E27FC236}">
+                <a16:creationId xmlns:a16="http://schemas.microsoft.com/office/drawing/2014/main" id="{8B45C57A-A1E2-4C7A-57CB-34967525E168}"/>
+              </a:ext>
+            </a:extLst>
+          </p:cNvPr>
+          <p:cNvSpPr txBox="1">
+            <a:spLocks/>
+          </p:cNvSpPr>
+          <p:nvPr/>
+        </p:nvSpPr>
+        <p:spPr>
+          <a:xfrm>
+            <a:off x="7994342" y="2655798"/>
+            <a:ext cx="3520114" cy="3101983"/>
+          </a:xfrm>
+          <a:prstGeom prst="rect">
+            <a:avLst/>
+          </a:prstGeom>
+        </p:spPr>
+        <p:txBody>
+          <a:bodyPr vert="horz" lIns="91440" tIns="45720" rIns="91440" bIns="45720" rtlCol="0">
+            <a:normAutofit/>
+          </a:bodyPr>
+          <a:lstStyle>
+            <a:lvl1pPr marL="228600" indent="-228600" algn="l" defTabSz="914400" rtl="0" eaLnBrk="1" latinLnBrk="0" hangingPunct="1">
+              <a:lnSpc>
+                <a:spcPct val="100000"/>
+              </a:lnSpc>
+              <a:spcBef>
+                <a:spcPts val="1000"/>
+              </a:spcBef>
+              <a:buClr>
+                <a:schemeClr val="accent2"/>
+              </a:buClr>
+              <a:buFont typeface="Arial" panose="020B0604020202020204" pitchFamily="34" charset="0"/>
+              <a:buChar char="•"/>
+              <a:defRPr sz="1800" kern="1200">
+                <a:solidFill>
+                  <a:schemeClr val="tx1">
+                    <a:lumMod val="85000"/>
+                    <a:lumOff val="15000"/>
+                  </a:schemeClr>
+                </a:solidFill>
+                <a:latin typeface="+mn-lt"/>
+                <a:ea typeface="+mn-ea"/>
+                <a:cs typeface="+mn-cs"/>
+              </a:defRPr>
+            </a:lvl1pPr>
+            <a:lvl2pPr marL="457200" indent="-228600" algn="l" defTabSz="914400" rtl="0" eaLnBrk="1" latinLnBrk="0" hangingPunct="1">
+              <a:lnSpc>
+                <a:spcPct val="100000"/>
+              </a:lnSpc>
+              <a:spcBef>
+                <a:spcPts val="1000"/>
+              </a:spcBef>
+              <a:buClr>
+                <a:schemeClr val="accent2"/>
+              </a:buClr>
+              <a:buFont typeface="Arial" panose="020B0604020202020204" pitchFamily="34" charset="0"/>
+              <a:buChar char="•"/>
+              <a:defRPr sz="1600" kern="1200">
+                <a:solidFill>
+                  <a:schemeClr val="tx1">
+                    <a:lumMod val="85000"/>
+                    <a:lumOff val="15000"/>
+                  </a:schemeClr>
+                </a:solidFill>
+                <a:latin typeface="+mn-lt"/>
+                <a:ea typeface="+mn-ea"/>
+                <a:cs typeface="+mn-cs"/>
+              </a:defRPr>
+            </a:lvl2pPr>
+            <a:lvl3pPr marL="685800" indent="-228600" algn="l" defTabSz="914400" rtl="0" eaLnBrk="1" latinLnBrk="0" hangingPunct="1">
+              <a:lnSpc>
+                <a:spcPct val="100000"/>
+              </a:lnSpc>
+              <a:spcBef>
+                <a:spcPts val="1000"/>
+              </a:spcBef>
+              <a:buClr>
+                <a:schemeClr val="accent2"/>
+              </a:buClr>
+              <a:buFont typeface="Arial" panose="020B0604020202020204" pitchFamily="34" charset="0"/>
+              <a:buChar char="•"/>
+              <a:defRPr sz="1600" kern="1200">
+                <a:solidFill>
+                  <a:schemeClr val="tx1">
+                    <a:lumMod val="85000"/>
+                    <a:lumOff val="15000"/>
+                  </a:schemeClr>
+                </a:solidFill>
+                <a:latin typeface="+mn-lt"/>
+                <a:ea typeface="+mn-ea"/>
+                <a:cs typeface="+mn-cs"/>
+              </a:defRPr>
+            </a:lvl3pPr>
+            <a:lvl4pPr marL="914400" indent="-228600" algn="l" defTabSz="914400" rtl="0" eaLnBrk="1" latinLnBrk="0" hangingPunct="1">
+              <a:lnSpc>
+                <a:spcPct val="100000"/>
+              </a:lnSpc>
+              <a:spcBef>
+                <a:spcPts val="1000"/>
+              </a:spcBef>
+              <a:buClr>
+                <a:schemeClr val="accent2"/>
+              </a:buClr>
+              <a:buFont typeface="Arial" panose="020B0604020202020204" pitchFamily="34" charset="0"/>
+              <a:buChar char="•"/>
+              <a:defRPr sz="1600" kern="1200">
+                <a:solidFill>
+                  <a:schemeClr val="tx1">
+                    <a:lumMod val="85000"/>
+                    <a:lumOff val="15000"/>
+                  </a:schemeClr>
+                </a:solidFill>
+                <a:latin typeface="+mn-lt"/>
+                <a:ea typeface="+mn-ea"/>
+                <a:cs typeface="+mn-cs"/>
+              </a:defRPr>
+            </a:lvl4pPr>
+            <a:lvl5pPr marL="1143000" indent="-228600" algn="l" defTabSz="914400" rtl="0" eaLnBrk="1" latinLnBrk="0" hangingPunct="1">
+              <a:lnSpc>
+                <a:spcPct val="100000"/>
+              </a:lnSpc>
+              <a:spcBef>
+                <a:spcPts val="1000"/>
+              </a:spcBef>
+              <a:buClr>
+                <a:schemeClr val="accent2"/>
+              </a:buClr>
+              <a:buFont typeface="Arial" panose="020B0604020202020204" pitchFamily="34" charset="0"/>
+              <a:buChar char="•"/>
+              <a:defRPr sz="1600" kern="1200">
+                <a:solidFill>
+                  <a:schemeClr val="tx1">
+                    <a:lumMod val="85000"/>
+                    <a:lumOff val="15000"/>
+                  </a:schemeClr>
+                </a:solidFill>
+                <a:latin typeface="+mn-lt"/>
+                <a:ea typeface="+mn-ea"/>
+                <a:cs typeface="+mn-cs"/>
+              </a:defRPr>
+            </a:lvl5pPr>
+            <a:lvl6pPr marL="1312863" indent="-228600" algn="l" defTabSz="914400" rtl="0" eaLnBrk="1" latinLnBrk="0" hangingPunct="1">
+              <a:lnSpc>
+                <a:spcPct val="100000"/>
+              </a:lnSpc>
+              <a:spcBef>
+                <a:spcPts val="1000"/>
+              </a:spcBef>
+              <a:buClr>
+                <a:schemeClr val="accent2"/>
+              </a:buClr>
+              <a:buFont typeface="Arial" panose="020B0604020202020204" pitchFamily="34" charset="0"/>
+              <a:buChar char="•"/>
+              <a:defRPr sz="1600" kern="1200">
+                <a:solidFill>
+                  <a:schemeClr val="tx1"/>
+                </a:solidFill>
+                <a:latin typeface="+mn-lt"/>
+                <a:ea typeface="+mn-ea"/>
+                <a:cs typeface="+mn-cs"/>
+              </a:defRPr>
+            </a:lvl6pPr>
+            <a:lvl7pPr marL="1484313" indent="-228600" algn="l" defTabSz="914400" rtl="0" eaLnBrk="1" latinLnBrk="0" hangingPunct="1">
+              <a:lnSpc>
+                <a:spcPct val="100000"/>
+              </a:lnSpc>
+              <a:spcBef>
+                <a:spcPts val="1000"/>
+              </a:spcBef>
+              <a:buClr>
+                <a:schemeClr val="accent2"/>
+              </a:buClr>
+              <a:buFont typeface="Arial" panose="020B0604020202020204" pitchFamily="34" charset="0"/>
+              <a:buChar char="•"/>
+              <a:defRPr sz="1600" kern="1200">
+                <a:solidFill>
+                  <a:schemeClr val="tx1"/>
+                </a:solidFill>
+                <a:latin typeface="+mn-lt"/>
+                <a:ea typeface="+mn-ea"/>
+                <a:cs typeface="+mn-cs"/>
+              </a:defRPr>
+            </a:lvl7pPr>
+            <a:lvl8pPr marL="1657350" indent="-228600" algn="l" defTabSz="914400" rtl="0" eaLnBrk="1" latinLnBrk="0" hangingPunct="1">
+              <a:lnSpc>
+                <a:spcPct val="100000"/>
+              </a:lnSpc>
+              <a:spcBef>
+                <a:spcPts val="1000"/>
+              </a:spcBef>
+              <a:buClr>
+                <a:schemeClr val="accent2"/>
+              </a:buClr>
+              <a:buFont typeface="Arial" panose="020B0604020202020204" pitchFamily="34" charset="0"/>
+              <a:buChar char="•"/>
+              <a:defRPr sz="1600" kern="1200" baseline="0">
+                <a:solidFill>
+                  <a:schemeClr val="tx1"/>
+                </a:solidFill>
+                <a:latin typeface="+mn-lt"/>
+                <a:ea typeface="+mn-ea"/>
+                <a:cs typeface="+mn-cs"/>
+              </a:defRPr>
+            </a:lvl8pPr>
+            <a:lvl9pPr marL="1882775" indent="-228600" algn="l" defTabSz="914400" rtl="0" eaLnBrk="1" latinLnBrk="0" hangingPunct="1">
+              <a:lnSpc>
+                <a:spcPct val="100000"/>
+              </a:lnSpc>
+              <a:spcBef>
+                <a:spcPts val="1000"/>
+              </a:spcBef>
+              <a:buClr>
+                <a:schemeClr val="accent2"/>
+              </a:buClr>
+              <a:buFont typeface="Arial" panose="020B0604020202020204" pitchFamily="34" charset="0"/>
+              <a:buChar char="•"/>
+              <a:defRPr sz="1600" kern="1200" baseline="0">
+                <a:solidFill>
+                  <a:schemeClr val="tx1"/>
+                </a:solidFill>
+                <a:latin typeface="+mn-lt"/>
+                <a:ea typeface="+mn-ea"/>
+                <a:cs typeface="+mn-cs"/>
+              </a:defRPr>
+            </a:lvl9pPr>
+          </a:lstStyle>
+          <a:p>
+            <a:r>
+              <a:rPr lang="en-CA" b="1" dirty="0"/>
+              <a:t>EDU Chain (L3 Custom)</a:t>
+            </a:r>
+            <a:br>
+              <a:rPr lang="en-CA" dirty="0"/>
+            </a:br>
+            <a:r>
+              <a:rPr lang="en-CA" dirty="0"/>
+              <a:t>✓ Frais quasi-</a:t>
+            </a:r>
+            <a:r>
+              <a:rPr lang="en-CA" dirty="0" err="1"/>
+              <a:t>nuls</a:t>
+            </a:r>
+            <a:r>
+              <a:rPr lang="en-CA" dirty="0"/>
+              <a:t> pour les </a:t>
+            </a:r>
+            <a:r>
+              <a:rPr lang="en-CA" dirty="0" err="1"/>
+              <a:t>utilisateurs</a:t>
+            </a:r>
+            <a:br>
+              <a:rPr lang="en-CA" dirty="0"/>
+            </a:br>
+            <a:r>
+              <a:rPr lang="en-CA" dirty="0"/>
+              <a:t>✓ </a:t>
+            </a:r>
+            <a:r>
+              <a:rPr lang="en-CA" dirty="0" err="1"/>
+              <a:t>Fonctionnalités</a:t>
+            </a:r>
+            <a:r>
+              <a:rPr lang="en-CA" dirty="0"/>
+              <a:t> </a:t>
+            </a:r>
+            <a:r>
+              <a:rPr lang="en-CA" dirty="0" err="1"/>
+              <a:t>éducatives</a:t>
+            </a:r>
+            <a:r>
+              <a:rPr lang="en-CA" dirty="0"/>
+              <a:t> </a:t>
+            </a:r>
+            <a:r>
+              <a:rPr lang="en-CA" dirty="0" err="1"/>
+              <a:t>dédiées</a:t>
+            </a:r>
+            <a:br>
+              <a:rPr lang="en-CA" dirty="0"/>
+            </a:br>
+            <a:r>
+              <a:rPr lang="en-CA" dirty="0"/>
+              <a:t>✓ </a:t>
+            </a:r>
+            <a:r>
+              <a:rPr lang="en-CA" dirty="0" err="1"/>
+              <a:t>Interopérabilité</a:t>
+            </a:r>
+            <a:r>
+              <a:rPr lang="en-CA" dirty="0"/>
+              <a:t> avec L1/L2</a:t>
+            </a:r>
+            <a:br>
+              <a:rPr lang="en-CA" dirty="0"/>
+            </a:br>
+            <a:r>
+              <a:rPr lang="en-CA" dirty="0"/>
+              <a:t>✗ </a:t>
+            </a:r>
+            <a:r>
+              <a:rPr lang="en-CA" dirty="0" err="1"/>
+              <a:t>Délais</a:t>
+            </a:r>
+            <a:r>
+              <a:rPr lang="en-CA" dirty="0"/>
+              <a:t> plus long pour confirmer </a:t>
+            </a:r>
+            <a:r>
+              <a:rPr lang="en-CA" dirty="0" err="1"/>
+              <a:t>une</a:t>
+            </a:r>
+            <a:r>
+              <a:rPr lang="en-CA" dirty="0"/>
+              <a:t> transaction</a:t>
+            </a:r>
+          </a:p>
+        </p:txBody>
+      </p:sp>
+    </p:spTree>
+    <p:extLst>
+      <p:ext uri="{BB962C8B-B14F-4D97-AF65-F5344CB8AC3E}">
+        <p14:creationId xmlns:p14="http://schemas.microsoft.com/office/powerpoint/2010/main" val="4273659427"/>
+      </p:ext>
+    </p:extLst>
+  </p:cSld>
+  <p:clrMapOvr>
+    <a:masterClrMapping/>
+  </p:clrMapOvr>
+</p:sld>
+</file>
+
+<file path=ppt/slides/slide7.xml><?xml version="1.0" encoding="utf-8"?>
+<p:sld xmlns:a="http://schemas.openxmlformats.org/drawingml/2006/main" xmlns:r="http://schemas.openxmlformats.org/officeDocument/2006/relationships" xmlns:p="http://schemas.openxmlformats.org/presentationml/2006/main">
+  <p:cSld>
+    <p:spTree>
+      <p:nvGrpSpPr>
+        <p:cNvPr id="1" name=""/>
+        <p:cNvGrpSpPr/>
+        <p:nvPr/>
+      </p:nvGrpSpPr>
+      <p:grpSpPr>
+        <a:xfrm>
+          <a:off x="0" y="0"/>
+          <a:ext cx="0" cy="0"/>
+          <a:chOff x="0" y="0"/>
+          <a:chExt cx="0" cy="0"/>
+        </a:xfrm>
+      </p:grpSpPr>
+      <p:sp>
+        <p:nvSpPr>
+          <p:cNvPr id="2" name="Title 1">
+            <a:extLst>
+              <a:ext uri="{FF2B5EF4-FFF2-40B4-BE49-F238E27FC236}">
+                <a16:creationId xmlns:a16="http://schemas.microsoft.com/office/drawing/2014/main" id="{23C94BDE-461E-BE0B-1958-8AA755EAA69F}"/>
+              </a:ext>
+            </a:extLst>
+          </p:cNvPr>
+          <p:cNvSpPr>
+            <a:spLocks noGrp="1"/>
+          </p:cNvSpPr>
+          <p:nvPr>
+            <p:ph type="title"/>
+          </p:nvPr>
+        </p:nvSpPr>
+        <p:spPr/>
+        <p:txBody>
+          <a:bodyPr/>
+          <a:lstStyle/>
+          <a:p>
+            <a:r>
+              <a:rPr lang="en-US" dirty="0"/>
+              <a:t>Aspects de </a:t>
+            </a:r>
+            <a:r>
+              <a:rPr lang="en-US" dirty="0" err="1"/>
+              <a:t>qualité</a:t>
+            </a:r>
+            <a:endParaRPr lang="en-US" dirty="0"/>
+          </a:p>
+        </p:txBody>
+      </p:sp>
+      <p:sp>
+        <p:nvSpPr>
+          <p:cNvPr id="3" name="Content Placeholder 2">
+            <a:extLst>
+              <a:ext uri="{FF2B5EF4-FFF2-40B4-BE49-F238E27FC236}">
+                <a16:creationId xmlns:a16="http://schemas.microsoft.com/office/drawing/2014/main" id="{B228D30A-6C34-52E0-93BF-89B3FF89F623}"/>
+              </a:ext>
+            </a:extLst>
+          </p:cNvPr>
+          <p:cNvSpPr>
+            <a:spLocks noGrp="1"/>
+          </p:cNvSpPr>
+          <p:nvPr>
+            <p:ph idx="1"/>
+          </p:nvPr>
+        </p:nvSpPr>
+        <p:spPr>
+          <a:xfrm>
+            <a:off x="2231136" y="2638044"/>
+            <a:ext cx="3479551" cy="3101983"/>
+          </a:xfrm>
+        </p:spPr>
+        <p:txBody>
+          <a:bodyPr>
+            <a:normAutofit/>
+          </a:bodyPr>
+          <a:lstStyle/>
+          <a:p>
+            <a:r>
+              <a:rPr lang="en-US" sz="2800" dirty="0" err="1"/>
+              <a:t>Sécurité</a:t>
+            </a:r>
+            <a:endParaRPr lang="en-US" sz="2800" dirty="0"/>
+          </a:p>
+          <a:p>
+            <a:pPr lvl="1"/>
+            <a:r>
+              <a:rPr lang="en-US" sz="2400" dirty="0"/>
+              <a:t>Immutable après audit</a:t>
+            </a:r>
+          </a:p>
+          <a:p>
+            <a:pPr lvl="1"/>
+            <a:r>
+              <a:rPr lang="en-US" sz="2400" dirty="0"/>
+              <a:t>Anti-reentrancy</a:t>
+            </a:r>
+          </a:p>
+        </p:txBody>
+      </p:sp>
+      <p:sp>
+        <p:nvSpPr>
+          <p:cNvPr id="4" name="Slide Number Placeholder 3">
+            <a:extLst>
+              <a:ext uri="{FF2B5EF4-FFF2-40B4-BE49-F238E27FC236}">
+                <a16:creationId xmlns:a16="http://schemas.microsoft.com/office/drawing/2014/main" id="{2DF898B6-A5D4-ED55-CD8F-EFBA0E7CA823}"/>
+              </a:ext>
+            </a:extLst>
+          </p:cNvPr>
+          <p:cNvSpPr>
+            <a:spLocks noGrp="1"/>
+          </p:cNvSpPr>
+          <p:nvPr>
+            <p:ph type="sldNum" sz="quarter" idx="12"/>
+          </p:nvPr>
+        </p:nvSpPr>
+        <p:spPr/>
+        <p:txBody>
+          <a:bodyPr/>
+          <a:lstStyle/>
+          <a:p>
+            <a:fld id="{66541124-6A23-4844-B9EA-7566DC06A6D2}" type="slidenum">
+              <a:rPr lang="en-US" smtClean="0"/>
+              <a:t>6</a:t>
+            </a:fld>
+            <a:endParaRPr lang="en-US"/>
+          </a:p>
+        </p:txBody>
+      </p:sp>
+      <p:sp>
+        <p:nvSpPr>
+          <p:cNvPr id="5" name="Content Placeholder 2">
+            <a:extLst>
+              <a:ext uri="{FF2B5EF4-FFF2-40B4-BE49-F238E27FC236}">
+                <a16:creationId xmlns:a16="http://schemas.microsoft.com/office/drawing/2014/main" id="{0EE16110-2379-B4D1-1A2C-7875CA6ED905}"/>
+              </a:ext>
+            </a:extLst>
+          </p:cNvPr>
+          <p:cNvSpPr txBox="1">
+            <a:spLocks/>
+          </p:cNvSpPr>
+          <p:nvPr/>
+        </p:nvSpPr>
+        <p:spPr>
+          <a:xfrm>
+            <a:off x="6481315" y="2638044"/>
+            <a:ext cx="3479551" cy="3101983"/>
+          </a:xfrm>
+          <a:prstGeom prst="rect">
+            <a:avLst/>
+          </a:prstGeom>
+        </p:spPr>
+        <p:txBody>
+          <a:bodyPr vert="horz" lIns="91440" tIns="45720" rIns="91440" bIns="45720" rtlCol="0">
+            <a:normAutofit/>
+          </a:bodyPr>
+          <a:lstStyle>
+            <a:lvl1pPr marL="228600" indent="-228600" algn="l" defTabSz="914400" rtl="0" eaLnBrk="1" latinLnBrk="0" hangingPunct="1">
+              <a:lnSpc>
+                <a:spcPct val="100000"/>
+              </a:lnSpc>
+              <a:spcBef>
+                <a:spcPts val="1000"/>
+              </a:spcBef>
+              <a:buClr>
+                <a:schemeClr val="accent2"/>
+              </a:buClr>
+              <a:buFont typeface="Arial" panose="020B0604020202020204" pitchFamily="34" charset="0"/>
+              <a:buChar char="•"/>
+              <a:defRPr sz="1800" kern="1200">
+                <a:solidFill>
+                  <a:schemeClr val="tx1">
+                    <a:lumMod val="85000"/>
+                    <a:lumOff val="15000"/>
+                  </a:schemeClr>
+                </a:solidFill>
+                <a:latin typeface="+mn-lt"/>
+                <a:ea typeface="+mn-ea"/>
+                <a:cs typeface="+mn-cs"/>
+              </a:defRPr>
+            </a:lvl1pPr>
+            <a:lvl2pPr marL="457200" indent="-228600" algn="l" defTabSz="914400" rtl="0" eaLnBrk="1" latinLnBrk="0" hangingPunct="1">
+              <a:lnSpc>
+                <a:spcPct val="100000"/>
+              </a:lnSpc>
+              <a:spcBef>
+                <a:spcPts val="1000"/>
+              </a:spcBef>
+              <a:buClr>
+                <a:schemeClr val="accent2"/>
+              </a:buClr>
+              <a:buFont typeface="Arial" panose="020B0604020202020204" pitchFamily="34" charset="0"/>
+              <a:buChar char="•"/>
+              <a:defRPr sz="1600" kern="1200">
+                <a:solidFill>
+                  <a:schemeClr val="tx1">
+                    <a:lumMod val="85000"/>
+                    <a:lumOff val="15000"/>
+                  </a:schemeClr>
+                </a:solidFill>
+                <a:latin typeface="+mn-lt"/>
+                <a:ea typeface="+mn-ea"/>
+                <a:cs typeface="+mn-cs"/>
+              </a:defRPr>
+            </a:lvl2pPr>
+            <a:lvl3pPr marL="685800" indent="-228600" algn="l" defTabSz="914400" rtl="0" eaLnBrk="1" latinLnBrk="0" hangingPunct="1">
+              <a:lnSpc>
+                <a:spcPct val="100000"/>
+              </a:lnSpc>
+              <a:spcBef>
+                <a:spcPts val="1000"/>
+              </a:spcBef>
+              <a:buClr>
+                <a:schemeClr val="accent2"/>
+              </a:buClr>
+              <a:buFont typeface="Arial" panose="020B0604020202020204" pitchFamily="34" charset="0"/>
+              <a:buChar char="•"/>
+              <a:defRPr sz="1600" kern="1200">
+                <a:solidFill>
+                  <a:schemeClr val="tx1">
+                    <a:lumMod val="85000"/>
+                    <a:lumOff val="15000"/>
+                  </a:schemeClr>
+                </a:solidFill>
+                <a:latin typeface="+mn-lt"/>
+                <a:ea typeface="+mn-ea"/>
+                <a:cs typeface="+mn-cs"/>
+              </a:defRPr>
+            </a:lvl3pPr>
+            <a:lvl4pPr marL="914400" indent="-228600" algn="l" defTabSz="914400" rtl="0" eaLnBrk="1" latinLnBrk="0" hangingPunct="1">
+              <a:lnSpc>
+                <a:spcPct val="100000"/>
+              </a:lnSpc>
+              <a:spcBef>
+                <a:spcPts val="1000"/>
+              </a:spcBef>
+              <a:buClr>
+                <a:schemeClr val="accent2"/>
+              </a:buClr>
+              <a:buFont typeface="Arial" panose="020B0604020202020204" pitchFamily="34" charset="0"/>
+              <a:buChar char="•"/>
+              <a:defRPr sz="1600" kern="1200">
+                <a:solidFill>
+                  <a:schemeClr val="tx1">
+                    <a:lumMod val="85000"/>
+                    <a:lumOff val="15000"/>
+                  </a:schemeClr>
+                </a:solidFill>
+                <a:latin typeface="+mn-lt"/>
+                <a:ea typeface="+mn-ea"/>
+                <a:cs typeface="+mn-cs"/>
+              </a:defRPr>
+            </a:lvl4pPr>
+            <a:lvl5pPr marL="1143000" indent="-228600" algn="l" defTabSz="914400" rtl="0" eaLnBrk="1" latinLnBrk="0" hangingPunct="1">
+              <a:lnSpc>
+                <a:spcPct val="100000"/>
+              </a:lnSpc>
+              <a:spcBef>
+                <a:spcPts val="1000"/>
+              </a:spcBef>
+              <a:buClr>
+                <a:schemeClr val="accent2"/>
+              </a:buClr>
+              <a:buFont typeface="Arial" panose="020B0604020202020204" pitchFamily="34" charset="0"/>
+              <a:buChar char="•"/>
+              <a:defRPr sz="1600" kern="1200">
+                <a:solidFill>
+                  <a:schemeClr val="tx1">
+                    <a:lumMod val="85000"/>
+                    <a:lumOff val="15000"/>
+                  </a:schemeClr>
+                </a:solidFill>
+                <a:latin typeface="+mn-lt"/>
+                <a:ea typeface="+mn-ea"/>
+                <a:cs typeface="+mn-cs"/>
+              </a:defRPr>
+            </a:lvl5pPr>
+            <a:lvl6pPr marL="1312863" indent="-228600" algn="l" defTabSz="914400" rtl="0" eaLnBrk="1" latinLnBrk="0" hangingPunct="1">
+              <a:lnSpc>
+                <a:spcPct val="100000"/>
+              </a:lnSpc>
+              <a:spcBef>
+                <a:spcPts val="1000"/>
+              </a:spcBef>
+              <a:buClr>
+                <a:schemeClr val="accent2"/>
+              </a:buClr>
+              <a:buFont typeface="Arial" panose="020B0604020202020204" pitchFamily="34" charset="0"/>
+              <a:buChar char="•"/>
+              <a:defRPr sz="1600" kern="1200">
+                <a:solidFill>
+                  <a:schemeClr val="tx1"/>
+                </a:solidFill>
+                <a:latin typeface="+mn-lt"/>
+                <a:ea typeface="+mn-ea"/>
+                <a:cs typeface="+mn-cs"/>
+              </a:defRPr>
+            </a:lvl6pPr>
+            <a:lvl7pPr marL="1484313" indent="-228600" algn="l" defTabSz="914400" rtl="0" eaLnBrk="1" latinLnBrk="0" hangingPunct="1">
+              <a:lnSpc>
+                <a:spcPct val="100000"/>
+              </a:lnSpc>
+              <a:spcBef>
+                <a:spcPts val="1000"/>
+              </a:spcBef>
+              <a:buClr>
+                <a:schemeClr val="accent2"/>
+              </a:buClr>
+              <a:buFont typeface="Arial" panose="020B0604020202020204" pitchFamily="34" charset="0"/>
+              <a:buChar char="•"/>
+              <a:defRPr sz="1600" kern="1200">
+                <a:solidFill>
+                  <a:schemeClr val="tx1"/>
+                </a:solidFill>
+                <a:latin typeface="+mn-lt"/>
+                <a:ea typeface="+mn-ea"/>
+                <a:cs typeface="+mn-cs"/>
+              </a:defRPr>
+            </a:lvl7pPr>
+            <a:lvl8pPr marL="1657350" indent="-228600" algn="l" defTabSz="914400" rtl="0" eaLnBrk="1" latinLnBrk="0" hangingPunct="1">
+              <a:lnSpc>
+                <a:spcPct val="100000"/>
+              </a:lnSpc>
+              <a:spcBef>
+                <a:spcPts val="1000"/>
+              </a:spcBef>
+              <a:buClr>
+                <a:schemeClr val="accent2"/>
+              </a:buClr>
+              <a:buFont typeface="Arial" panose="020B0604020202020204" pitchFamily="34" charset="0"/>
+              <a:buChar char="•"/>
+              <a:defRPr sz="1600" kern="1200" baseline="0">
+                <a:solidFill>
+                  <a:schemeClr val="tx1"/>
+                </a:solidFill>
+                <a:latin typeface="+mn-lt"/>
+                <a:ea typeface="+mn-ea"/>
+                <a:cs typeface="+mn-cs"/>
+              </a:defRPr>
+            </a:lvl8pPr>
+            <a:lvl9pPr marL="1882775" indent="-228600" algn="l" defTabSz="914400" rtl="0" eaLnBrk="1" latinLnBrk="0" hangingPunct="1">
+              <a:lnSpc>
+                <a:spcPct val="100000"/>
+              </a:lnSpc>
+              <a:spcBef>
+                <a:spcPts val="1000"/>
+              </a:spcBef>
+              <a:buClr>
+                <a:schemeClr val="accent2"/>
+              </a:buClr>
+              <a:buFont typeface="Arial" panose="020B0604020202020204" pitchFamily="34" charset="0"/>
+              <a:buChar char="•"/>
+              <a:defRPr sz="1600" kern="1200" baseline="0">
+                <a:solidFill>
+                  <a:schemeClr val="tx1"/>
+                </a:solidFill>
+                <a:latin typeface="+mn-lt"/>
+                <a:ea typeface="+mn-ea"/>
+                <a:cs typeface="+mn-cs"/>
+              </a:defRPr>
+            </a:lvl9pPr>
+          </a:lstStyle>
+          <a:p>
+            <a:r>
+              <a:rPr lang="en-US" sz="2800" dirty="0" err="1"/>
+              <a:t>Preformance</a:t>
+            </a:r>
+            <a:endParaRPr lang="en-US" sz="2800" dirty="0"/>
+          </a:p>
+          <a:p>
+            <a:pPr lvl="1"/>
+            <a:r>
+              <a:rPr lang="en-US" sz="2400" dirty="0"/>
+              <a:t>Publication sur L3, </a:t>
+            </a:r>
+            <a:r>
+              <a:rPr lang="en-US" sz="2400" dirty="0" err="1"/>
+              <a:t>puis</a:t>
+            </a:r>
+            <a:r>
+              <a:rPr lang="en-US" sz="2400" dirty="0"/>
+              <a:t> L2 et L1</a:t>
+            </a:r>
+          </a:p>
+          <a:p>
+            <a:endParaRPr lang="en-US" dirty="0" err="1"/>
+          </a:p>
+        </p:txBody>
+      </p:sp>
+    </p:spTree>
+    <p:extLst>
+      <p:ext uri="{BB962C8B-B14F-4D97-AF65-F5344CB8AC3E}">
+        <p14:creationId xmlns:p14="http://schemas.microsoft.com/office/powerpoint/2010/main" val="3428470697"/>
+      </p:ext>
+    </p:extLst>
+  </p:cSld>
+  <p:clrMapOvr>
+    <a:masterClrMapping/>
+  </p:clrMapOvr>
+</p:sld>
+</file>
+
+<file path=ppt/slides/slide8.xml><?xml version="1.0" encoding="utf-8"?>
 <p:sld xmlns:a="http://schemas.openxmlformats.org/drawingml/2006/main" xmlns:r="http://schemas.openxmlformats.org/officeDocument/2006/relationships" xmlns:p="http://schemas.openxmlformats.org/presentationml/2006/main">
   <p:cSld>
     <p:bg>
@@ -4696,13 +7267,8 @@
           <a:p>
             <a:r>
               <a:rPr lang="en-US" sz="2000" dirty="0"/>
-              <a:t>Vue de </a:t>
-            </a:r>
-            <a:r>
-              <a:rPr lang="en-US" sz="2000" dirty="0" err="1"/>
-              <a:t>déploiement</a:t>
-            </a:r>
-            <a:endParaRPr lang="en-US" sz="2000" dirty="0"/>
+              <a:t>Classes</a:t>
+            </a:r>
           </a:p>
         </p:txBody>
       </p:sp>
@@ -4752,18 +7318,253 @@
                   <a:spcPts val="600"/>
                 </a:spcAft>
               </a:pPr>
-              <a:t>3</a:t>
+              <a:t>7</a:t>
             </a:fld>
             <a:endParaRPr lang="en-US"/>
           </a:p>
         </p:txBody>
       </p:sp>
+      <p:pic>
+        <p:nvPicPr>
+          <p:cNvPr id="9" name="Picture 8" descr="A screenshot of a computer&#10;&#10;AI-generated content may be incorrect.">
+            <a:extLst>
+              <a:ext uri="{FF2B5EF4-FFF2-40B4-BE49-F238E27FC236}">
+                <a16:creationId xmlns:a16="http://schemas.microsoft.com/office/drawing/2014/main" id="{CB5482AA-99A1-09EB-2445-E289697E0F43}"/>
+              </a:ext>
+            </a:extLst>
+          </p:cNvPr>
+          <p:cNvPicPr>
+            <a:picLocks noChangeAspect="1"/>
+          </p:cNvPicPr>
+          <p:nvPr/>
+        </p:nvPicPr>
+        <p:blipFill>
+          <a:blip r:embed="rId3"/>
+          <a:srcRect l="-1" t="186" r="659" b="1"/>
+          <a:stretch>
+            <a:fillRect/>
+          </a:stretch>
+        </p:blipFill>
+        <p:spPr>
+          <a:xfrm>
+            <a:off x="5221902" y="488272"/>
+            <a:ext cx="6532133" cy="5455328"/>
+          </a:xfrm>
+          <a:prstGeom prst="rect">
+            <a:avLst/>
+          </a:prstGeom>
+        </p:spPr>
+      </p:pic>
+    </p:spTree>
+    <p:extLst>
+      <p:ext uri="{BB962C8B-B14F-4D97-AF65-F5344CB8AC3E}">
+        <p14:creationId xmlns:p14="http://schemas.microsoft.com/office/powerpoint/2010/main" val="689511903"/>
+      </p:ext>
+    </p:extLst>
+  </p:cSld>
+  <p:clrMapOvr>
+    <a:masterClrMapping/>
+  </p:clrMapOvr>
+</p:sld>
+</file>
+
+<file path=ppt/slides/slide9.xml><?xml version="1.0" encoding="utf-8"?>
+<p:sld xmlns:a="http://schemas.openxmlformats.org/drawingml/2006/main" xmlns:r="http://schemas.openxmlformats.org/officeDocument/2006/relationships" xmlns:p="http://schemas.openxmlformats.org/presentationml/2006/main">
+  <p:cSld>
+    <p:spTree>
+      <p:nvGrpSpPr>
+        <p:cNvPr id="1" name=""/>
+        <p:cNvGrpSpPr/>
+        <p:nvPr/>
+      </p:nvGrpSpPr>
+      <p:grpSpPr>
+        <a:xfrm>
+          <a:off x="0" y="0"/>
+          <a:ext cx="0" cy="0"/>
+          <a:chOff x="0" y="0"/>
+          <a:chExt cx="0" cy="0"/>
+        </a:xfrm>
+      </p:grpSpPr>
+      <p:sp>
+        <p:nvSpPr>
+          <p:cNvPr id="2" name="Title 1">
+            <a:extLst>
+              <a:ext uri="{FF2B5EF4-FFF2-40B4-BE49-F238E27FC236}">
+                <a16:creationId xmlns:a16="http://schemas.microsoft.com/office/drawing/2014/main" id="{6044A030-CB4F-4580-21A4-28FF91DEE9EE}"/>
+              </a:ext>
+            </a:extLst>
+          </p:cNvPr>
+          <p:cNvSpPr>
+            <a:spLocks noGrp="1"/>
+          </p:cNvSpPr>
+          <p:nvPr>
+            <p:ph type="title"/>
+          </p:nvPr>
+        </p:nvSpPr>
+        <p:spPr>
+          <a:xfrm>
+            <a:off x="2231136" y="268021"/>
+            <a:ext cx="7729728" cy="1188720"/>
+          </a:xfrm>
+        </p:spPr>
+        <p:txBody>
+          <a:bodyPr/>
+          <a:lstStyle/>
+          <a:p>
+            <a:r>
+              <a:rPr lang="en-US" dirty="0" err="1"/>
+              <a:t>Analyse</a:t>
+            </a:r>
+            <a:r>
+              <a:rPr lang="en-US" dirty="0"/>
+              <a:t> de code</a:t>
+            </a:r>
+          </a:p>
+        </p:txBody>
+      </p:sp>
+      <p:sp>
+        <p:nvSpPr>
+          <p:cNvPr id="3" name="Content Placeholder 2">
+            <a:extLst>
+              <a:ext uri="{FF2B5EF4-FFF2-40B4-BE49-F238E27FC236}">
+                <a16:creationId xmlns:a16="http://schemas.microsoft.com/office/drawing/2014/main" id="{BEC3266C-D565-7B28-3341-072FFD1B730B}"/>
+              </a:ext>
+            </a:extLst>
+          </p:cNvPr>
+          <p:cNvSpPr>
+            <a:spLocks noGrp="1"/>
+          </p:cNvSpPr>
+          <p:nvPr>
+            <p:ph idx="1"/>
+          </p:nvPr>
+        </p:nvSpPr>
+        <p:spPr>
+          <a:xfrm>
+            <a:off x="6229979" y="1717566"/>
+            <a:ext cx="4032198" cy="1223514"/>
+          </a:xfrm>
+        </p:spPr>
+        <p:txBody>
+          <a:bodyPr>
+            <a:normAutofit fontScale="92500"/>
+          </a:bodyPr>
+          <a:lstStyle/>
+          <a:p>
+            <a:r>
+              <a:rPr lang="en-US" dirty="0" err="1"/>
+              <a:t>Modularité</a:t>
+            </a:r>
+            <a:r>
+              <a:rPr lang="en-US" dirty="0"/>
+              <a:t> avec templates pour </a:t>
+            </a:r>
+            <a:r>
+              <a:rPr lang="en-US" dirty="0" err="1"/>
+              <a:t>etherum</a:t>
+            </a:r>
+            <a:endParaRPr lang="en-US" dirty="0"/>
+          </a:p>
+          <a:p>
+            <a:r>
+              <a:rPr lang="en-US" dirty="0" err="1"/>
+              <a:t>Sécurisé</a:t>
+            </a:r>
+            <a:r>
+              <a:rPr lang="en-US" dirty="0"/>
+              <a:t> avec </a:t>
+            </a:r>
+            <a:r>
+              <a:rPr lang="en-US" dirty="0" err="1"/>
+              <a:t>nonReentrant</a:t>
+            </a:r>
+            <a:endParaRPr lang="en-US" dirty="0"/>
+          </a:p>
+          <a:p>
+            <a:r>
+              <a:rPr lang="en-US" dirty="0"/>
+              <a:t>Gestion de </a:t>
+            </a:r>
+            <a:r>
+              <a:rPr lang="en-US" dirty="0" err="1"/>
+              <a:t>nombres</a:t>
+            </a:r>
+            <a:r>
+              <a:rPr lang="en-US" dirty="0"/>
+              <a:t> </a:t>
+            </a:r>
+            <a:r>
+              <a:rPr lang="en-US" dirty="0" err="1"/>
+              <a:t>entiers</a:t>
+            </a:r>
+            <a:endParaRPr lang="en-US" dirty="0"/>
+          </a:p>
+        </p:txBody>
+      </p:sp>
+      <p:sp>
+        <p:nvSpPr>
+          <p:cNvPr id="4" name="Slide Number Placeholder 3">
+            <a:extLst>
+              <a:ext uri="{FF2B5EF4-FFF2-40B4-BE49-F238E27FC236}">
+                <a16:creationId xmlns:a16="http://schemas.microsoft.com/office/drawing/2014/main" id="{D57956D2-F4A4-3914-8EDD-36F6EAE18677}"/>
+              </a:ext>
+            </a:extLst>
+          </p:cNvPr>
+          <p:cNvSpPr>
+            <a:spLocks noGrp="1"/>
+          </p:cNvSpPr>
+          <p:nvPr>
+            <p:ph type="sldNum" sz="quarter" idx="12"/>
+          </p:nvPr>
+        </p:nvSpPr>
+        <p:spPr/>
+        <p:txBody>
+          <a:bodyPr/>
+          <a:lstStyle/>
+          <a:p>
+            <a:fld id="{66541124-6A23-4844-B9EA-7566DC06A6D2}" type="slidenum">
+              <a:rPr lang="en-US" smtClean="0"/>
+              <a:t>8</a:t>
+            </a:fld>
+            <a:endParaRPr lang="en-US"/>
+          </a:p>
+        </p:txBody>
+      </p:sp>
+      <p:pic>
+        <p:nvPicPr>
+          <p:cNvPr id="6" name="Picture 5">
+            <a:extLst>
+              <a:ext uri="{FF2B5EF4-FFF2-40B4-BE49-F238E27FC236}">
+                <a16:creationId xmlns:a16="http://schemas.microsoft.com/office/drawing/2014/main" id="{D6ED96C6-4967-3D10-CFB9-62A4186C8347}"/>
+              </a:ext>
+            </a:extLst>
+          </p:cNvPr>
+          <p:cNvPicPr>
+            <a:picLocks noChangeAspect="1"/>
+          </p:cNvPicPr>
+          <p:nvPr/>
+        </p:nvPicPr>
+        <p:blipFill>
+          <a:blip r:embed="rId2"/>
+          <a:stretch>
+            <a:fillRect/>
+          </a:stretch>
+        </p:blipFill>
+        <p:spPr>
+          <a:xfrm>
+            <a:off x="469147" y="1717566"/>
+            <a:ext cx="5368589" cy="2641139"/>
+          </a:xfrm>
+          <a:prstGeom prst="rect">
+            <a:avLst/>
+          </a:prstGeom>
+        </p:spPr>
+      </p:pic>
       <p:pic>
         <p:nvPicPr>
           <p:cNvPr id="7" name="Picture 6">
             <a:extLst>
               <a:ext uri="{FF2B5EF4-FFF2-40B4-BE49-F238E27FC236}">
-                <a16:creationId xmlns:a16="http://schemas.microsoft.com/office/drawing/2014/main" id="{F9EE1D8C-9EE2-6F16-97BE-80C724F7A375}"/>
+                <a16:creationId xmlns:a16="http://schemas.microsoft.com/office/drawing/2014/main" id="{66C2645A-475F-D156-E80F-05CCFBE179B6}"/>
               </a:ext>
             </a:extLst>
           </p:cNvPr>
@@ -4780,8 +7581,8 @@
         </p:blipFill>
         <p:spPr>
           <a:xfrm>
-            <a:off x="4858518" y="548634"/>
-            <a:ext cx="2643869" cy="5120653"/>
+            <a:off x="469148" y="4572000"/>
+            <a:ext cx="5369098" cy="2150974"/>
           </a:xfrm>
           <a:prstGeom prst="rect">
             <a:avLst/>
@@ -4790,10 +7591,10 @@
       </p:pic>
       <p:pic>
         <p:nvPicPr>
-          <p:cNvPr id="8" name="Picture 7">
+          <p:cNvPr id="9" name="Picture 8">
             <a:extLst>
               <a:ext uri="{FF2B5EF4-FFF2-40B4-BE49-F238E27FC236}">
-                <a16:creationId xmlns:a16="http://schemas.microsoft.com/office/drawing/2014/main" id="{33912D82-4F99-2EC7-3863-3F01D8367621}"/>
+                <a16:creationId xmlns:a16="http://schemas.microsoft.com/office/drawing/2014/main" id="{9A2532EF-129F-C08C-F77C-4534FA8C1357}"/>
               </a:ext>
             </a:extLst>
           </p:cNvPr>
@@ -4810,223 +7611,18 @@
         </p:blipFill>
         <p:spPr>
           <a:xfrm>
-            <a:off x="7475450" y="1691929"/>
-            <a:ext cx="4559463" cy="3408444"/>
+            <a:off x="6548760" y="3105096"/>
+            <a:ext cx="3935767" cy="3617878"/>
           </a:xfrm>
           <a:prstGeom prst="rect">
             <a:avLst/>
           </a:prstGeom>
         </p:spPr>
       </p:pic>
-      <p:sp>
-        <p:nvSpPr>
-          <p:cNvPr id="13" name="Manual Operation 12">
-            <a:extLst>
-              <a:ext uri="{FF2B5EF4-FFF2-40B4-BE49-F238E27FC236}">
-                <a16:creationId xmlns:a16="http://schemas.microsoft.com/office/drawing/2014/main" id="{3A69CACF-490F-5641-E2E7-A7C2519C60AB}"/>
-              </a:ext>
-            </a:extLst>
-          </p:cNvPr>
-          <p:cNvSpPr/>
-          <p:nvPr/>
-        </p:nvSpPr>
-        <p:spPr>
-          <a:xfrm rot="5400000">
-            <a:off x="5580386" y="3161536"/>
-            <a:ext cx="3413644" cy="449744"/>
-          </a:xfrm>
-          <a:custGeom>
-            <a:avLst/>
-            <a:gdLst>
-              <a:gd name="connsiteX0" fmla="*/ 0 w 10000"/>
-              <a:gd name="connsiteY0" fmla="*/ 0 h 10000"/>
-              <a:gd name="connsiteX1" fmla="*/ 10000 w 10000"/>
-              <a:gd name="connsiteY1" fmla="*/ 0 h 10000"/>
-              <a:gd name="connsiteX2" fmla="*/ 8000 w 10000"/>
-              <a:gd name="connsiteY2" fmla="*/ 10000 h 10000"/>
-              <a:gd name="connsiteX3" fmla="*/ 2000 w 10000"/>
-              <a:gd name="connsiteY3" fmla="*/ 10000 h 10000"/>
-              <a:gd name="connsiteX4" fmla="*/ 0 w 10000"/>
-              <a:gd name="connsiteY4" fmla="*/ 0 h 10000"/>
-              <a:gd name="connsiteX0" fmla="*/ 0 w 26546"/>
-              <a:gd name="connsiteY0" fmla="*/ 0 h 16551"/>
-              <a:gd name="connsiteX1" fmla="*/ 26546 w 26546"/>
-              <a:gd name="connsiteY1" fmla="*/ 6551 h 16551"/>
-              <a:gd name="connsiteX2" fmla="*/ 24546 w 26546"/>
-              <a:gd name="connsiteY2" fmla="*/ 16551 h 16551"/>
-              <a:gd name="connsiteX3" fmla="*/ 18546 w 26546"/>
-              <a:gd name="connsiteY3" fmla="*/ 16551 h 16551"/>
-              <a:gd name="connsiteX4" fmla="*/ 0 w 26546"/>
-              <a:gd name="connsiteY4" fmla="*/ 0 h 16551"/>
-              <a:gd name="connsiteX0" fmla="*/ 0 w 24546"/>
-              <a:gd name="connsiteY0" fmla="*/ 0 h 16551"/>
-              <a:gd name="connsiteX1" fmla="*/ 23092 w 24546"/>
-              <a:gd name="connsiteY1" fmla="*/ 0 h 16551"/>
-              <a:gd name="connsiteX2" fmla="*/ 24546 w 24546"/>
-              <a:gd name="connsiteY2" fmla="*/ 16551 h 16551"/>
-              <a:gd name="connsiteX3" fmla="*/ 18546 w 24546"/>
-              <a:gd name="connsiteY3" fmla="*/ 16551 h 16551"/>
-              <a:gd name="connsiteX4" fmla="*/ 0 w 24546"/>
-              <a:gd name="connsiteY4" fmla="*/ 0 h 16551"/>
-              <a:gd name="connsiteX0" fmla="*/ 0 w 24546"/>
-              <a:gd name="connsiteY0" fmla="*/ 0 h 16551"/>
-              <a:gd name="connsiteX1" fmla="*/ 23092 w 24546"/>
-              <a:gd name="connsiteY1" fmla="*/ 0 h 16551"/>
-              <a:gd name="connsiteX2" fmla="*/ 24546 w 24546"/>
-              <a:gd name="connsiteY2" fmla="*/ 16551 h 16551"/>
-              <a:gd name="connsiteX3" fmla="*/ 8804 w 24546"/>
-              <a:gd name="connsiteY3" fmla="*/ 1806 h 16551"/>
-              <a:gd name="connsiteX4" fmla="*/ 0 w 24546"/>
-              <a:gd name="connsiteY4" fmla="*/ 0 h 16551"/>
-              <a:gd name="connsiteX0" fmla="*/ 0 w 23092"/>
-              <a:gd name="connsiteY0" fmla="*/ 0 h 1806"/>
-              <a:gd name="connsiteX1" fmla="*/ 23092 w 23092"/>
-              <a:gd name="connsiteY1" fmla="*/ 0 h 1806"/>
-              <a:gd name="connsiteX2" fmla="*/ 15783 w 23092"/>
-              <a:gd name="connsiteY2" fmla="*/ 810 h 1806"/>
-              <a:gd name="connsiteX3" fmla="*/ 8804 w 23092"/>
-              <a:gd name="connsiteY3" fmla="*/ 1806 h 1806"/>
-              <a:gd name="connsiteX4" fmla="*/ 0 w 23092"/>
-              <a:gd name="connsiteY4" fmla="*/ 0 h 1806"/>
-              <a:gd name="connsiteX0" fmla="*/ 0 w 10000"/>
-              <a:gd name="connsiteY0" fmla="*/ 0 h 10000"/>
-              <a:gd name="connsiteX1" fmla="*/ 10000 w 10000"/>
-              <a:gd name="connsiteY1" fmla="*/ 0 h 10000"/>
-              <a:gd name="connsiteX2" fmla="*/ 6322 w 10000"/>
-              <a:gd name="connsiteY2" fmla="*/ 7433 h 10000"/>
-              <a:gd name="connsiteX3" fmla="*/ 3813 w 10000"/>
-              <a:gd name="connsiteY3" fmla="*/ 10000 h 10000"/>
-              <a:gd name="connsiteX4" fmla="*/ 0 w 10000"/>
-              <a:gd name="connsiteY4" fmla="*/ 0 h 10000"/>
-              <a:gd name="connsiteX0" fmla="*/ 0 w 10000"/>
-              <a:gd name="connsiteY0" fmla="*/ 0 h 7565"/>
-              <a:gd name="connsiteX1" fmla="*/ 10000 w 10000"/>
-              <a:gd name="connsiteY1" fmla="*/ 0 h 7565"/>
-              <a:gd name="connsiteX2" fmla="*/ 6322 w 10000"/>
-              <a:gd name="connsiteY2" fmla="*/ 7433 h 7565"/>
-              <a:gd name="connsiteX3" fmla="*/ 3478 w 10000"/>
-              <a:gd name="connsiteY3" fmla="*/ 7565 h 7565"/>
-              <a:gd name="connsiteX4" fmla="*/ 0 w 10000"/>
-              <a:gd name="connsiteY4" fmla="*/ 0 h 7565"/>
-            </a:gdLst>
-            <a:ahLst/>
-            <a:cxnLst>
-              <a:cxn ang="0">
-                <a:pos x="connsiteX0" y="connsiteY0"/>
-              </a:cxn>
-              <a:cxn ang="0">
-                <a:pos x="connsiteX1" y="connsiteY1"/>
-              </a:cxn>
-              <a:cxn ang="0">
-                <a:pos x="connsiteX2" y="connsiteY2"/>
-              </a:cxn>
-              <a:cxn ang="0">
-                <a:pos x="connsiteX3" y="connsiteY3"/>
-              </a:cxn>
-              <a:cxn ang="0">
-                <a:pos x="connsiteX4" y="connsiteY4"/>
-              </a:cxn>
-            </a:cxnLst>
-            <a:rect l="l" t="t" r="r" b="b"/>
-            <a:pathLst>
-              <a:path w="10000" h="7565">
-                <a:moveTo>
-                  <a:pt x="0" y="0"/>
-                </a:moveTo>
-                <a:lnTo>
-                  <a:pt x="10000" y="0"/>
-                </a:lnTo>
-                <a:lnTo>
-                  <a:pt x="6322" y="7433"/>
-                </a:lnTo>
-                <a:lnTo>
-                  <a:pt x="3478" y="7565"/>
-                </a:lnTo>
-                <a:lnTo>
-                  <a:pt x="0" y="0"/>
-                </a:lnTo>
-                <a:close/>
-              </a:path>
-            </a:pathLst>
-          </a:custGeom>
-          <a:noFill/>
-        </p:spPr>
-        <p:style>
-          <a:lnRef idx="2">
-            <a:schemeClr val="accent1">
-              <a:shade val="15000"/>
-            </a:schemeClr>
-          </a:lnRef>
-          <a:fillRef idx="1">
-            <a:schemeClr val="accent1"/>
-          </a:fillRef>
-          <a:effectRef idx="0">
-            <a:schemeClr val="accent1"/>
-          </a:effectRef>
-          <a:fontRef idx="minor">
-            <a:schemeClr val="lt1"/>
-          </a:fontRef>
-        </p:style>
-        <p:txBody>
-          <a:bodyPr rtlCol="0" anchor="ctr"/>
-          <a:lstStyle/>
-          <a:p>
-            <a:pPr algn="ctr"/>
-            <a:endParaRPr lang="en-US"/>
-          </a:p>
-        </p:txBody>
-      </p:sp>
-      <p:sp>
-        <p:nvSpPr>
-          <p:cNvPr id="14" name="Rectangle 13">
-            <a:extLst>
-              <a:ext uri="{FF2B5EF4-FFF2-40B4-BE49-F238E27FC236}">
-                <a16:creationId xmlns:a16="http://schemas.microsoft.com/office/drawing/2014/main" id="{AE9AA9FD-4B1E-2131-9DB1-43CE6B409864}"/>
-              </a:ext>
-            </a:extLst>
-          </p:cNvPr>
-          <p:cNvSpPr/>
-          <p:nvPr/>
-        </p:nvSpPr>
-        <p:spPr>
-          <a:xfrm>
-            <a:off x="7502387" y="1691929"/>
-            <a:ext cx="4532526" cy="3408444"/>
-          </a:xfrm>
-          <a:prstGeom prst="rect">
-            <a:avLst/>
-          </a:prstGeom>
-          <a:noFill/>
-        </p:spPr>
-        <p:style>
-          <a:lnRef idx="2">
-            <a:schemeClr val="accent1">
-              <a:shade val="15000"/>
-            </a:schemeClr>
-          </a:lnRef>
-          <a:fillRef idx="1">
-            <a:schemeClr val="accent1"/>
-          </a:fillRef>
-          <a:effectRef idx="0">
-            <a:schemeClr val="accent1"/>
-          </a:effectRef>
-          <a:fontRef idx="minor">
-            <a:schemeClr val="lt1"/>
-          </a:fontRef>
-        </p:style>
-        <p:txBody>
-          <a:bodyPr rtlCol="0" anchor="ctr"/>
-          <a:lstStyle/>
-          <a:p>
-            <a:pPr algn="ctr"/>
-            <a:endParaRPr lang="en-US"/>
-          </a:p>
-        </p:txBody>
-      </p:sp>
     </p:spTree>
     <p:extLst>
       <p:ext uri="{BB962C8B-B14F-4D97-AF65-F5344CB8AC3E}">
-        <p14:creationId xmlns:p14="http://schemas.microsoft.com/office/powerpoint/2010/main" val="689511903"/>
+        <p14:creationId xmlns:p14="http://schemas.microsoft.com/office/powerpoint/2010/main" val="1875298473"/>
       </p:ext>
     </p:extLst>
   </p:cSld>
